--- a/plots/Preliminary_Plots.pptx
+++ b/plots/Preliminary_Plots.pptx
@@ -5,23 +5,37 @@
     <p:sldMasterId id="2147483648" r:id="rId1"/>
   </p:sldMasterIdLst>
   <p:notesMasterIdLst>
-    <p:notesMasterId r:id="rId16"/>
+    <p:notesMasterId r:id="rId30"/>
   </p:notesMasterIdLst>
   <p:sldIdLst>
     <p:sldId id="256" r:id="rId2"/>
-    <p:sldId id="257" r:id="rId3"/>
-    <p:sldId id="258" r:id="rId4"/>
-    <p:sldId id="259" r:id="rId5"/>
-    <p:sldId id="260" r:id="rId6"/>
-    <p:sldId id="262" r:id="rId7"/>
-    <p:sldId id="264" r:id="rId8"/>
-    <p:sldId id="265" r:id="rId9"/>
-    <p:sldId id="267" r:id="rId10"/>
-    <p:sldId id="269" r:id="rId11"/>
-    <p:sldId id="266" r:id="rId12"/>
-    <p:sldId id="270" r:id="rId13"/>
-    <p:sldId id="271" r:id="rId14"/>
-    <p:sldId id="272" r:id="rId15"/>
+    <p:sldId id="270" r:id="rId3"/>
+    <p:sldId id="271" r:id="rId4"/>
+    <p:sldId id="272" r:id="rId5"/>
+    <p:sldId id="273" r:id="rId6"/>
+    <p:sldId id="274" r:id="rId7"/>
+    <p:sldId id="268" r:id="rId8"/>
+    <p:sldId id="275" r:id="rId9"/>
+    <p:sldId id="276" r:id="rId10"/>
+    <p:sldId id="277" r:id="rId11"/>
+    <p:sldId id="278" r:id="rId12"/>
+    <p:sldId id="267" r:id="rId13"/>
+    <p:sldId id="279" r:id="rId14"/>
+    <p:sldId id="280" r:id="rId15"/>
+    <p:sldId id="281" r:id="rId16"/>
+    <p:sldId id="282" r:id="rId17"/>
+    <p:sldId id="269" r:id="rId18"/>
+    <p:sldId id="283" r:id="rId19"/>
+    <p:sldId id="284" r:id="rId20"/>
+    <p:sldId id="285" r:id="rId21"/>
+    <p:sldId id="286" r:id="rId22"/>
+    <p:sldId id="292" r:id="rId23"/>
+    <p:sldId id="287" r:id="rId24"/>
+    <p:sldId id="288" r:id="rId25"/>
+    <p:sldId id="289" r:id="rId26"/>
+    <p:sldId id="290" r:id="rId27"/>
+    <p:sldId id="291" r:id="rId28"/>
+    <p:sldId id="293" r:id="rId29"/>
   </p:sldIdLst>
   <p:sldSz cx="12192000" cy="6858000"/>
   <p:notesSz cx="6858000" cy="9144000"/>
@@ -120,6 +134,11 @@
       </a:defRPr>
     </a:lvl9pPr>
   </p:defaultTextStyle>
+  <p:extLst>
+    <p:ext uri="{EFAFB233-063F-42B5-8137-9DF3F51BA10A}">
+      <p15:sldGuideLst xmlns:p15="http://schemas.microsoft.com/office/powerpoint/2012/main"/>
+    </p:ext>
+  </p:extLst>
 </p:presentation>
 </file>
 
@@ -205,7 +224,7 @@
           <a:p>
             <a:fld id="{F5893AE1-A93E-774A-B61D-D49C1D85D9F9}" type="datetimeFigureOut">
               <a:rPr lang="en-US" smtClean="0"/>
-              <a:t>11/7/23</a:t>
+              <a:t>2/22/24</a:t>
             </a:fld>
             <a:endParaRPr lang="en-US"/>
           </a:p>
@@ -518,7 +537,7 @@
           <a:p>
             <a:r>
               <a:rPr lang="en-US" dirty="0"/>
-              <a:t>Republicans are less likely to reduce contact, according to what they say</a:t>
+              <a:t>No difference in concern for democrats regardless of district</a:t>
             </a:r>
           </a:p>
         </p:txBody>
@@ -540,7 +559,7 @@
           <a:p>
             <a:fld id="{EC498CF5-F257-EB43-9D6C-E8FBC5F119B3}" type="slidenum">
               <a:rPr lang="en-US" smtClean="0"/>
-              <a:t>2</a:t>
+              <a:t>13</a:t>
             </a:fld>
             <a:endParaRPr lang="en-US"/>
           </a:p>
@@ -549,7 +568,7 @@
     </p:spTree>
     <p:extLst>
       <p:ext uri="{BB962C8B-B14F-4D97-AF65-F5344CB8AC3E}">
-        <p14:creationId xmlns:p14="http://schemas.microsoft.com/office/powerpoint/2010/main" val="1276117545"/>
+        <p14:creationId xmlns:p14="http://schemas.microsoft.com/office/powerpoint/2010/main" val="419087732"/>
       </p:ext>
     </p:extLst>
   </p:cSld>
@@ -603,10 +622,7 @@
           <a:bodyPr/>
           <a:lstStyle/>
           <a:p>
-            <a:r>
-              <a:rPr lang="en-US" dirty="0"/>
-              <a:t>Republicans report higher contacts throughout the pandemic</a:t>
-            </a:r>
+            <a:endParaRPr lang="en-US" dirty="0"/>
           </a:p>
         </p:txBody>
       </p:sp>
@@ -627,7 +643,7 @@
           <a:p>
             <a:fld id="{EC498CF5-F257-EB43-9D6C-E8FBC5F119B3}" type="slidenum">
               <a:rPr lang="en-US" smtClean="0"/>
-              <a:t>3</a:t>
+              <a:t>18</a:t>
             </a:fld>
             <a:endParaRPr lang="en-US"/>
           </a:p>
@@ -636,7 +652,7 @@
     </p:spTree>
     <p:extLst>
       <p:ext uri="{BB962C8B-B14F-4D97-AF65-F5344CB8AC3E}">
-        <p14:creationId xmlns:p14="http://schemas.microsoft.com/office/powerpoint/2010/main" val="223733314"/>
+        <p14:creationId xmlns:p14="http://schemas.microsoft.com/office/powerpoint/2010/main" val="3026647362"/>
       </p:ext>
     </p:extLst>
   </p:cSld>
@@ -692,8 +708,13 @@
           <a:p>
             <a:r>
               <a:rPr lang="en-US" dirty="0"/>
-              <a:t>Republicans are less concerned about the spread of the virus</a:t>
-            </a:r>
+              <a:t>Dem slope only becomes statistically significant after I control for </a:t>
+            </a:r>
+            <a:r>
+              <a:rPr lang="en-US" dirty="0" err="1"/>
+              <a:t>county_mask_mandates</a:t>
+            </a:r>
+            <a:endParaRPr lang="en-US" dirty="0"/>
           </a:p>
         </p:txBody>
       </p:sp>
@@ -714,7 +735,7 @@
           <a:p>
             <a:fld id="{EC498CF5-F257-EB43-9D6C-E8FBC5F119B3}" type="slidenum">
               <a:rPr lang="en-US" smtClean="0"/>
-              <a:t>4</a:t>
+              <a:t>20</a:t>
             </a:fld>
             <a:endParaRPr lang="en-US"/>
           </a:p>
@@ -723,7 +744,7 @@
     </p:spTree>
     <p:extLst>
       <p:ext uri="{BB962C8B-B14F-4D97-AF65-F5344CB8AC3E}">
-        <p14:creationId xmlns:p14="http://schemas.microsoft.com/office/powerpoint/2010/main" val="2257487411"/>
+        <p14:creationId xmlns:p14="http://schemas.microsoft.com/office/powerpoint/2010/main" val="2808036842"/>
       </p:ext>
     </p:extLst>
   </p:cSld>
@@ -779,7 +800,7 @@
           <a:p>
             <a:r>
               <a:rPr lang="en-US" dirty="0"/>
-              <a:t>Republicans are less likely to wear masks</a:t>
+              <a:t>This is the opposite of what Baxter found (they found that Republicans are less likely to wear masks in democratic districts). This is also consistent with concern.</a:t>
             </a:r>
           </a:p>
         </p:txBody>
@@ -801,7 +822,7 @@
           <a:p>
             <a:fld id="{EC498CF5-F257-EB43-9D6C-E8FBC5F119B3}" type="slidenum">
               <a:rPr lang="en-US" smtClean="0"/>
-              <a:t>5</a:t>
+              <a:t>21</a:t>
             </a:fld>
             <a:endParaRPr lang="en-US"/>
           </a:p>
@@ -810,361 +831,7 @@
     </p:spTree>
     <p:extLst>
       <p:ext uri="{BB962C8B-B14F-4D97-AF65-F5344CB8AC3E}">
-        <p14:creationId xmlns:p14="http://schemas.microsoft.com/office/powerpoint/2010/main" val="3320978391"/>
-      </p:ext>
-    </p:extLst>
-  </p:cSld>
-  <p:clrMapOvr>
-    <a:masterClrMapping/>
-  </p:clrMapOvr>
-</p:notes>
-</file>
-
-<file path=ppt/notesSlides/notesSlide5.xml><?xml version="1.0" encoding="utf-8"?>
-<p:notes xmlns:a="http://schemas.openxmlformats.org/drawingml/2006/main" xmlns:r="http://schemas.openxmlformats.org/officeDocument/2006/relationships" xmlns:p="http://schemas.openxmlformats.org/presentationml/2006/main">
-  <p:cSld>
-    <p:spTree>
-      <p:nvGrpSpPr>
-        <p:cNvPr id="1" name=""/>
-        <p:cNvGrpSpPr/>
-        <p:nvPr/>
-      </p:nvGrpSpPr>
-      <p:grpSpPr>
-        <a:xfrm>
-          <a:off x="0" y="0"/>
-          <a:ext cx="0" cy="0"/>
-          <a:chOff x="0" y="0"/>
-          <a:chExt cx="0" cy="0"/>
-        </a:xfrm>
-      </p:grpSpPr>
-      <p:sp>
-        <p:nvSpPr>
-          <p:cNvPr id="2" name="Slide Image Placeholder 1"/>
-          <p:cNvSpPr>
-            <a:spLocks noGrp="1" noRot="1" noChangeAspect="1"/>
-          </p:cNvSpPr>
-          <p:nvPr>
-            <p:ph type="sldImg"/>
-          </p:nvPr>
-        </p:nvSpPr>
-        <p:spPr/>
-      </p:sp>
-      <p:sp>
-        <p:nvSpPr>
-          <p:cNvPr id="3" name="Notes Placeholder 2"/>
-          <p:cNvSpPr>
-            <a:spLocks noGrp="1"/>
-          </p:cNvSpPr>
-          <p:nvPr>
-            <p:ph type="body" idx="1"/>
-          </p:nvPr>
-        </p:nvSpPr>
-        <p:spPr/>
-        <p:txBody>
-          <a:bodyPr/>
-          <a:lstStyle/>
-          <a:p>
-            <a:r>
-              <a:rPr lang="en-US" dirty="0"/>
-              <a:t>They’re also less concerned about the spread</a:t>
-            </a:r>
-          </a:p>
-        </p:txBody>
-      </p:sp>
-      <p:sp>
-        <p:nvSpPr>
-          <p:cNvPr id="4" name="Slide Number Placeholder 3"/>
-          <p:cNvSpPr>
-            <a:spLocks noGrp="1"/>
-          </p:cNvSpPr>
-          <p:nvPr>
-            <p:ph type="sldNum" sz="quarter" idx="5"/>
-          </p:nvPr>
-        </p:nvSpPr>
-        <p:spPr/>
-        <p:txBody>
-          <a:bodyPr/>
-          <a:lstStyle/>
-          <a:p>
-            <a:fld id="{EC498CF5-F257-EB43-9D6C-E8FBC5F119B3}" type="slidenum">
-              <a:rPr lang="en-US" smtClean="0"/>
-              <a:t>7</a:t>
-            </a:fld>
-            <a:endParaRPr lang="en-US"/>
-          </a:p>
-        </p:txBody>
-      </p:sp>
-    </p:spTree>
-    <p:extLst>
-      <p:ext uri="{BB962C8B-B14F-4D97-AF65-F5344CB8AC3E}">
-        <p14:creationId xmlns:p14="http://schemas.microsoft.com/office/powerpoint/2010/main" val="980242835"/>
-      </p:ext>
-    </p:extLst>
-  </p:cSld>
-  <p:clrMapOvr>
-    <a:masterClrMapping/>
-  </p:clrMapOvr>
-</p:notes>
-</file>
-
-<file path=ppt/notesSlides/notesSlide6.xml><?xml version="1.0" encoding="utf-8"?>
-<p:notes xmlns:a="http://schemas.openxmlformats.org/drawingml/2006/main" xmlns:r="http://schemas.openxmlformats.org/officeDocument/2006/relationships" xmlns:p="http://schemas.openxmlformats.org/presentationml/2006/main">
-  <p:cSld>
-    <p:spTree>
-      <p:nvGrpSpPr>
-        <p:cNvPr id="1" name=""/>
-        <p:cNvGrpSpPr/>
-        <p:nvPr/>
-      </p:nvGrpSpPr>
-      <p:grpSpPr>
-        <a:xfrm>
-          <a:off x="0" y="0"/>
-          <a:ext cx="0" cy="0"/>
-          <a:chOff x="0" y="0"/>
-          <a:chExt cx="0" cy="0"/>
-        </a:xfrm>
-      </p:grpSpPr>
-      <p:sp>
-        <p:nvSpPr>
-          <p:cNvPr id="2" name="Slide Image Placeholder 1"/>
-          <p:cNvSpPr>
-            <a:spLocks noGrp="1" noRot="1" noChangeAspect="1"/>
-          </p:cNvSpPr>
-          <p:nvPr>
-            <p:ph type="sldImg"/>
-          </p:nvPr>
-        </p:nvSpPr>
-        <p:spPr/>
-      </p:sp>
-      <p:sp>
-        <p:nvSpPr>
-          <p:cNvPr id="3" name="Notes Placeholder 2"/>
-          <p:cNvSpPr>
-            <a:spLocks noGrp="1"/>
-          </p:cNvSpPr>
-          <p:nvPr>
-            <p:ph type="body" idx="1"/>
-          </p:nvPr>
-        </p:nvSpPr>
-        <p:spPr/>
-        <p:txBody>
-          <a:bodyPr/>
-          <a:lstStyle/>
-          <a:p>
-            <a:endParaRPr lang="en-US" dirty="0"/>
-          </a:p>
-        </p:txBody>
-      </p:sp>
-      <p:sp>
-        <p:nvSpPr>
-          <p:cNvPr id="4" name="Slide Number Placeholder 3"/>
-          <p:cNvSpPr>
-            <a:spLocks noGrp="1"/>
-          </p:cNvSpPr>
-          <p:nvPr>
-            <p:ph type="sldNum" sz="quarter" idx="5"/>
-          </p:nvPr>
-        </p:nvSpPr>
-        <p:spPr/>
-        <p:txBody>
-          <a:bodyPr/>
-          <a:lstStyle/>
-          <a:p>
-            <a:fld id="{EC498CF5-F257-EB43-9D6C-E8FBC5F119B3}" type="slidenum">
-              <a:rPr lang="en-US" smtClean="0"/>
-              <a:t>10</a:t>
-            </a:fld>
-            <a:endParaRPr lang="en-US"/>
-          </a:p>
-        </p:txBody>
-      </p:sp>
-    </p:spTree>
-    <p:extLst>
-      <p:ext uri="{BB962C8B-B14F-4D97-AF65-F5344CB8AC3E}">
-        <p14:creationId xmlns:p14="http://schemas.microsoft.com/office/powerpoint/2010/main" val="3933719134"/>
-      </p:ext>
-    </p:extLst>
-  </p:cSld>
-  <p:clrMapOvr>
-    <a:masterClrMapping/>
-  </p:clrMapOvr>
-</p:notes>
-</file>
-
-<file path=ppt/notesSlides/notesSlide7.xml><?xml version="1.0" encoding="utf-8"?>
-<p:notes xmlns:a="http://schemas.openxmlformats.org/drawingml/2006/main" xmlns:r="http://schemas.openxmlformats.org/officeDocument/2006/relationships" xmlns:p="http://schemas.openxmlformats.org/presentationml/2006/main">
-  <p:cSld>
-    <p:spTree>
-      <p:nvGrpSpPr>
-        <p:cNvPr id="1" name=""/>
-        <p:cNvGrpSpPr/>
-        <p:nvPr/>
-      </p:nvGrpSpPr>
-      <p:grpSpPr>
-        <a:xfrm>
-          <a:off x="0" y="0"/>
-          <a:ext cx="0" cy="0"/>
-          <a:chOff x="0" y="0"/>
-          <a:chExt cx="0" cy="0"/>
-        </a:xfrm>
-      </p:grpSpPr>
-      <p:sp>
-        <p:nvSpPr>
-          <p:cNvPr id="2" name="Slide Image Placeholder 1"/>
-          <p:cNvSpPr>
-            <a:spLocks noGrp="1" noRot="1" noChangeAspect="1"/>
-          </p:cNvSpPr>
-          <p:nvPr>
-            <p:ph type="sldImg"/>
-          </p:nvPr>
-        </p:nvSpPr>
-        <p:spPr/>
-      </p:sp>
-      <p:sp>
-        <p:nvSpPr>
-          <p:cNvPr id="3" name="Notes Placeholder 2"/>
-          <p:cNvSpPr>
-            <a:spLocks noGrp="1"/>
-          </p:cNvSpPr>
-          <p:nvPr>
-            <p:ph type="body" idx="1"/>
-          </p:nvPr>
-        </p:nvSpPr>
-        <p:spPr/>
-        <p:txBody>
-          <a:bodyPr/>
-          <a:lstStyle/>
-          <a:p>
-            <a:r>
-              <a:rPr lang="en-US" dirty="0"/>
-              <a:t>Despite not being less concerned, democrats in Republican CD’s are less likely to SAY they reduced contact greatly as a result of the pandemic</a:t>
-            </a:r>
-          </a:p>
-          <a:p>
-            <a:r>
-              <a:rPr lang="en-US" dirty="0"/>
-              <a:t>Republicans in Democratic CD’s are relatively more likely than Republicans in Republican CD’s to say they reduced contact</a:t>
-            </a:r>
-          </a:p>
-          <a:p>
-            <a:r>
-              <a:rPr lang="en-US" dirty="0"/>
-              <a:t>Peer effects</a:t>
-            </a:r>
-          </a:p>
-        </p:txBody>
-      </p:sp>
-      <p:sp>
-        <p:nvSpPr>
-          <p:cNvPr id="4" name="Slide Number Placeholder 3"/>
-          <p:cNvSpPr>
-            <a:spLocks noGrp="1"/>
-          </p:cNvSpPr>
-          <p:nvPr>
-            <p:ph type="sldNum" sz="quarter" idx="5"/>
-          </p:nvPr>
-        </p:nvSpPr>
-        <p:spPr/>
-        <p:txBody>
-          <a:bodyPr/>
-          <a:lstStyle/>
-          <a:p>
-            <a:fld id="{EC498CF5-F257-EB43-9D6C-E8FBC5F119B3}" type="slidenum">
-              <a:rPr lang="en-US" smtClean="0"/>
-              <a:t>11</a:t>
-            </a:fld>
-            <a:endParaRPr lang="en-US"/>
-          </a:p>
-        </p:txBody>
-      </p:sp>
-    </p:spTree>
-    <p:extLst>
-      <p:ext uri="{BB962C8B-B14F-4D97-AF65-F5344CB8AC3E}">
-        <p14:creationId xmlns:p14="http://schemas.microsoft.com/office/powerpoint/2010/main" val="2254301894"/>
-      </p:ext>
-    </p:extLst>
-  </p:cSld>
-  <p:clrMapOvr>
-    <a:masterClrMapping/>
-  </p:clrMapOvr>
-</p:notes>
-</file>
-
-<file path=ppt/notesSlides/notesSlide8.xml><?xml version="1.0" encoding="utf-8"?>
-<p:notes xmlns:a="http://schemas.openxmlformats.org/drawingml/2006/main" xmlns:r="http://schemas.openxmlformats.org/officeDocument/2006/relationships" xmlns:p="http://schemas.openxmlformats.org/presentationml/2006/main">
-  <p:cSld>
-    <p:spTree>
-      <p:nvGrpSpPr>
-        <p:cNvPr id="1" name=""/>
-        <p:cNvGrpSpPr/>
-        <p:nvPr/>
-      </p:nvGrpSpPr>
-      <p:grpSpPr>
-        <a:xfrm>
-          <a:off x="0" y="0"/>
-          <a:ext cx="0" cy="0"/>
-          <a:chOff x="0" y="0"/>
-          <a:chExt cx="0" cy="0"/>
-        </a:xfrm>
-      </p:grpSpPr>
-      <p:sp>
-        <p:nvSpPr>
-          <p:cNvPr id="2" name="Slide Image Placeholder 1"/>
-          <p:cNvSpPr>
-            <a:spLocks noGrp="1" noRot="1" noChangeAspect="1"/>
-          </p:cNvSpPr>
-          <p:nvPr>
-            <p:ph type="sldImg"/>
-          </p:nvPr>
-        </p:nvSpPr>
-        <p:spPr/>
-      </p:sp>
-      <p:sp>
-        <p:nvSpPr>
-          <p:cNvPr id="3" name="Notes Placeholder 2"/>
-          <p:cNvSpPr>
-            <a:spLocks noGrp="1"/>
-          </p:cNvSpPr>
-          <p:nvPr>
-            <p:ph type="body" idx="1"/>
-          </p:nvPr>
-        </p:nvSpPr>
-        <p:spPr/>
-        <p:txBody>
-          <a:bodyPr/>
-          <a:lstStyle/>
-          <a:p>
-            <a:endParaRPr lang="en-US" dirty="0"/>
-          </a:p>
-        </p:txBody>
-      </p:sp>
-      <p:sp>
-        <p:nvSpPr>
-          <p:cNvPr id="4" name="Slide Number Placeholder 3"/>
-          <p:cNvSpPr>
-            <a:spLocks noGrp="1"/>
-          </p:cNvSpPr>
-          <p:nvPr>
-            <p:ph type="sldNum" sz="quarter" idx="5"/>
-          </p:nvPr>
-        </p:nvSpPr>
-        <p:spPr/>
-        <p:txBody>
-          <a:bodyPr/>
-          <a:lstStyle/>
-          <a:p>
-            <a:fld id="{EC498CF5-F257-EB43-9D6C-E8FBC5F119B3}" type="slidenum">
-              <a:rPr lang="en-US" smtClean="0"/>
-              <a:t>13</a:t>
-            </a:fld>
-            <a:endParaRPr lang="en-US"/>
-          </a:p>
-        </p:txBody>
-      </p:sp>
-    </p:spTree>
-    <p:extLst>
-      <p:ext uri="{BB962C8B-B14F-4D97-AF65-F5344CB8AC3E}">
-        <p14:creationId xmlns:p14="http://schemas.microsoft.com/office/powerpoint/2010/main" val="3089211437"/>
+        <p14:creationId xmlns:p14="http://schemas.microsoft.com/office/powerpoint/2010/main" val="1300512472"/>
       </p:ext>
     </p:extLst>
   </p:cSld>
@@ -1321,7 +988,7 @@
           <a:p>
             <a:fld id="{A6933443-C269-7C45-BE9F-47B38C297C0E}" type="datetimeFigureOut">
               <a:rPr lang="en-US" smtClean="0"/>
-              <a:t>11/7/23</a:t>
+              <a:t>2/22/24</a:t>
             </a:fld>
             <a:endParaRPr lang="en-US"/>
           </a:p>
@@ -1519,7 +1186,7 @@
           <a:p>
             <a:fld id="{A6933443-C269-7C45-BE9F-47B38C297C0E}" type="datetimeFigureOut">
               <a:rPr lang="en-US" smtClean="0"/>
-              <a:t>11/7/23</a:t>
+              <a:t>2/22/24</a:t>
             </a:fld>
             <a:endParaRPr lang="en-US"/>
           </a:p>
@@ -1727,7 +1394,7 @@
           <a:p>
             <a:fld id="{A6933443-C269-7C45-BE9F-47B38C297C0E}" type="datetimeFigureOut">
               <a:rPr lang="en-US" smtClean="0"/>
-              <a:t>11/7/23</a:t>
+              <a:t>2/22/24</a:t>
             </a:fld>
             <a:endParaRPr lang="en-US"/>
           </a:p>
@@ -1925,7 +1592,7 @@
           <a:p>
             <a:fld id="{A6933443-C269-7C45-BE9F-47B38C297C0E}" type="datetimeFigureOut">
               <a:rPr lang="en-US" smtClean="0"/>
-              <a:t>11/7/23</a:t>
+              <a:t>2/22/24</a:t>
             </a:fld>
             <a:endParaRPr lang="en-US"/>
           </a:p>
@@ -2200,7 +1867,7 @@
           <a:p>
             <a:fld id="{A6933443-C269-7C45-BE9F-47B38C297C0E}" type="datetimeFigureOut">
               <a:rPr lang="en-US" smtClean="0"/>
-              <a:t>11/7/23</a:t>
+              <a:t>2/22/24</a:t>
             </a:fld>
             <a:endParaRPr lang="en-US"/>
           </a:p>
@@ -2465,7 +2132,7 @@
           <a:p>
             <a:fld id="{A6933443-C269-7C45-BE9F-47B38C297C0E}" type="datetimeFigureOut">
               <a:rPr lang="en-US" smtClean="0"/>
-              <a:t>11/7/23</a:t>
+              <a:t>2/22/24</a:t>
             </a:fld>
             <a:endParaRPr lang="en-US"/>
           </a:p>
@@ -2877,7 +2544,7 @@
           <a:p>
             <a:fld id="{A6933443-C269-7C45-BE9F-47B38C297C0E}" type="datetimeFigureOut">
               <a:rPr lang="en-US" smtClean="0"/>
-              <a:t>11/7/23</a:t>
+              <a:t>2/22/24</a:t>
             </a:fld>
             <a:endParaRPr lang="en-US"/>
           </a:p>
@@ -3018,7 +2685,7 @@
           <a:p>
             <a:fld id="{A6933443-C269-7C45-BE9F-47B38C297C0E}" type="datetimeFigureOut">
               <a:rPr lang="en-US" smtClean="0"/>
-              <a:t>11/7/23</a:t>
+              <a:t>2/22/24</a:t>
             </a:fld>
             <a:endParaRPr lang="en-US"/>
           </a:p>
@@ -3131,7 +2798,7 @@
           <a:p>
             <a:fld id="{A6933443-C269-7C45-BE9F-47B38C297C0E}" type="datetimeFigureOut">
               <a:rPr lang="en-US" smtClean="0"/>
-              <a:t>11/7/23</a:t>
+              <a:t>2/22/24</a:t>
             </a:fld>
             <a:endParaRPr lang="en-US"/>
           </a:p>
@@ -3442,7 +3109,7 @@
           <a:p>
             <a:fld id="{A6933443-C269-7C45-BE9F-47B38C297C0E}" type="datetimeFigureOut">
               <a:rPr lang="en-US" smtClean="0"/>
-              <a:t>11/7/23</a:t>
+              <a:t>2/22/24</a:t>
             </a:fld>
             <a:endParaRPr lang="en-US"/>
           </a:p>
@@ -3730,7 +3397,7 @@
           <a:p>
             <a:fld id="{A6933443-C269-7C45-BE9F-47B38C297C0E}" type="datetimeFigureOut">
               <a:rPr lang="en-US" smtClean="0"/>
-              <a:t>11/7/23</a:t>
+              <a:t>2/22/24</a:t>
             </a:fld>
             <a:endParaRPr lang="en-US"/>
           </a:p>
@@ -3971,7 +3638,7 @@
           <a:p>
             <a:fld id="{A6933443-C269-7C45-BE9F-47B38C297C0E}" type="datetimeFigureOut">
               <a:rPr lang="en-US" smtClean="0"/>
-              <a:t>11/7/23</a:t>
+              <a:t>2/22/24</a:t>
             </a:fld>
             <a:endParaRPr lang="en-US"/>
           </a:p>
@@ -4406,12 +4073,14 @@
         </p:nvSpPr>
         <p:spPr/>
         <p:txBody>
-          <a:bodyPr/>
+          <a:bodyPr>
+            <a:normAutofit/>
+          </a:bodyPr>
           <a:lstStyle/>
           <a:p>
             <a:r>
               <a:rPr lang="en-US" dirty="0"/>
-              <a:t>Republicans versus Democrats</a:t>
+              <a:t>Republicans versus Democrats Pooled</a:t>
             </a:r>
           </a:p>
         </p:txBody>
@@ -4451,7 +4120,7 @@
           <p:cNvPr id="2" name="Title 1">
             <a:extLst>
               <a:ext uri="{FF2B5EF4-FFF2-40B4-BE49-F238E27FC236}">
-                <a16:creationId xmlns:a16="http://schemas.microsoft.com/office/drawing/2014/main" id="{01146C7B-261A-B631-1B1C-8A6C471B2834}"/>
+                <a16:creationId xmlns:a16="http://schemas.microsoft.com/office/drawing/2014/main" id="{F78DE929-F502-DBE5-508F-773D47415C68}"/>
               </a:ext>
             </a:extLst>
           </p:cNvPr>
@@ -4464,51 +4133,45 @@
         </p:nvSpPr>
         <p:spPr/>
         <p:txBody>
-          <a:bodyPr>
-            <a:normAutofit fontScale="90000"/>
-          </a:bodyPr>
+          <a:bodyPr/>
           <a:lstStyle/>
           <a:p>
             <a:r>
               <a:rPr lang="en-US" dirty="0"/>
-              <a:t>What do Democrats and Republicans say about their concern of spread when in each other’s districts?</a:t>
-            </a:r>
-          </a:p>
-        </p:txBody>
-      </p:sp>
-      <p:pic>
-        <p:nvPicPr>
-          <p:cNvPr id="5" name="Content Placeholder 4" descr="A graph with red dots and numbers&#10;&#10;Description automatically generated">
-            <a:extLst>
-              <a:ext uri="{FF2B5EF4-FFF2-40B4-BE49-F238E27FC236}">
-                <a16:creationId xmlns:a16="http://schemas.microsoft.com/office/drawing/2014/main" id="{06720BB5-232D-DE18-B291-F5D5D2CB82A6}"/>
-              </a:ext>
-            </a:extLst>
-          </p:cNvPr>
-          <p:cNvPicPr>
-            <a:picLocks noGrp="1" noChangeAspect="1"/>
-          </p:cNvPicPr>
+              <a:t>Reported Contact</a:t>
+            </a:r>
+          </a:p>
+        </p:txBody>
+      </p:sp>
+      <p:sp>
+        <p:nvSpPr>
+          <p:cNvPr id="3" name="Content Placeholder 2">
+            <a:extLst>
+              <a:ext uri="{FF2B5EF4-FFF2-40B4-BE49-F238E27FC236}">
+                <a16:creationId xmlns:a16="http://schemas.microsoft.com/office/drawing/2014/main" id="{2E2BC6CF-666C-BA70-6B0B-1343459A361A}"/>
+              </a:ext>
+            </a:extLst>
+          </p:cNvPr>
+          <p:cNvSpPr>
+            <a:spLocks noGrp="1"/>
+          </p:cNvSpPr>
           <p:nvPr>
             <p:ph idx="1"/>
           </p:nvPr>
-        </p:nvPicPr>
-        <p:blipFill>
-          <a:blip r:embed="rId3"/>
-          <a:stretch>
-            <a:fillRect/>
-          </a:stretch>
-        </p:blipFill>
-        <p:spPr>
-          <a:xfrm>
-            <a:off x="2259322" y="2017466"/>
-            <a:ext cx="7673356" cy="4244181"/>
-          </a:xfrm>
-        </p:spPr>
-      </p:pic>
+        </p:nvSpPr>
+        <p:spPr/>
+        <p:txBody>
+          <a:bodyPr/>
+          <a:lstStyle/>
+          <a:p>
+            <a:endParaRPr lang="en-US"/>
+          </a:p>
+        </p:txBody>
+      </p:sp>
     </p:spTree>
     <p:extLst>
       <p:ext uri="{BB962C8B-B14F-4D97-AF65-F5344CB8AC3E}">
-        <p14:creationId xmlns:p14="http://schemas.microsoft.com/office/powerpoint/2010/main" val="4280134789"/>
+        <p14:creationId xmlns:p14="http://schemas.microsoft.com/office/powerpoint/2010/main" val="4090811244"/>
       </p:ext>
     </p:extLst>
   </p:cSld>
@@ -4540,7 +4203,7 @@
           <p:cNvPr id="2" name="Title 1">
             <a:extLst>
               <a:ext uri="{FF2B5EF4-FFF2-40B4-BE49-F238E27FC236}">
-                <a16:creationId xmlns:a16="http://schemas.microsoft.com/office/drawing/2014/main" id="{46DB79D4-A929-DCE3-3F9C-A2007EA3B265}"/>
+                <a16:creationId xmlns:a16="http://schemas.microsoft.com/office/drawing/2014/main" id="{BDCA2186-1D4C-43E9-9966-CB34BFB1FB88}"/>
               </a:ext>
             </a:extLst>
           </p:cNvPr>
@@ -4553,50 +4216,45 @@
         </p:nvSpPr>
         <p:spPr/>
         <p:txBody>
-          <a:bodyPr>
-            <a:normAutofit fontScale="90000"/>
-          </a:bodyPr>
+          <a:bodyPr/>
           <a:lstStyle/>
           <a:p>
             <a:r>
               <a:rPr lang="en-US" dirty="0"/>
-              <a:t>What do Democrats and Republicans say about their reduction of contact when in each other’s districts?</a:t>
-            </a:r>
-          </a:p>
-        </p:txBody>
-      </p:sp>
-      <p:pic>
-        <p:nvPicPr>
-          <p:cNvPr id="5" name="Content Placeholder 4">
-            <a:extLst>
-              <a:ext uri="{FF2B5EF4-FFF2-40B4-BE49-F238E27FC236}">
-                <a16:creationId xmlns:a16="http://schemas.microsoft.com/office/drawing/2014/main" id="{B35DFFE3-D4BF-756A-35CC-C0682721F9FB}"/>
-              </a:ext>
-            </a:extLst>
-          </p:cNvPr>
-          <p:cNvPicPr>
-            <a:picLocks noGrp="1" noChangeAspect="1"/>
-          </p:cNvPicPr>
+              <a:t>Masked Contact</a:t>
+            </a:r>
+          </a:p>
+        </p:txBody>
+      </p:sp>
+      <p:sp>
+        <p:nvSpPr>
+          <p:cNvPr id="3" name="Content Placeholder 2">
+            <a:extLst>
+              <a:ext uri="{FF2B5EF4-FFF2-40B4-BE49-F238E27FC236}">
+                <a16:creationId xmlns:a16="http://schemas.microsoft.com/office/drawing/2014/main" id="{FDD4C2D2-62E9-5C35-F230-43795E11458D}"/>
+              </a:ext>
+            </a:extLst>
+          </p:cNvPr>
+          <p:cNvSpPr>
+            <a:spLocks noGrp="1"/>
+          </p:cNvSpPr>
           <p:nvPr>
             <p:ph idx="1"/>
           </p:nvPr>
-        </p:nvPicPr>
-        <p:blipFill>
-          <a:blip r:embed="rId3"/>
-          <a:srcRect/>
-          <a:stretch/>
-        </p:blipFill>
-        <p:spPr>
-          <a:xfrm>
-            <a:off x="2247543" y="2027975"/>
-            <a:ext cx="7696914" cy="4257211"/>
-          </a:xfrm>
-        </p:spPr>
-      </p:pic>
+        </p:nvSpPr>
+        <p:spPr/>
+        <p:txBody>
+          <a:bodyPr/>
+          <a:lstStyle/>
+          <a:p>
+            <a:endParaRPr lang="en-US"/>
+          </a:p>
+        </p:txBody>
+      </p:sp>
     </p:spTree>
     <p:extLst>
       <p:ext uri="{BB962C8B-B14F-4D97-AF65-F5344CB8AC3E}">
-        <p14:creationId xmlns:p14="http://schemas.microsoft.com/office/powerpoint/2010/main" val="1993974528"/>
+        <p14:creationId xmlns:p14="http://schemas.microsoft.com/office/powerpoint/2010/main" val="21191738"/>
       </p:ext>
     </p:extLst>
   </p:cSld>
@@ -4628,72 +4286,35 @@
           <p:cNvPr id="2" name="Title 1">
             <a:extLst>
               <a:ext uri="{FF2B5EF4-FFF2-40B4-BE49-F238E27FC236}">
-                <a16:creationId xmlns:a16="http://schemas.microsoft.com/office/drawing/2014/main" id="{1187F9DD-4B1F-1E3D-2986-CE97FCBF3F6F}"/>
-              </a:ext>
-            </a:extLst>
-          </p:cNvPr>
-          <p:cNvSpPr>
-            <a:spLocks noGrp="1"/>
-          </p:cNvSpPr>
-          <p:nvPr>
-            <p:ph type="title"/>
+                <a16:creationId xmlns:a16="http://schemas.microsoft.com/office/drawing/2014/main" id="{4D4945D3-1977-C3E8-5444-6E3FAFE2281C}"/>
+              </a:ext>
+            </a:extLst>
+          </p:cNvPr>
+          <p:cNvSpPr>
+            <a:spLocks noGrp="1"/>
+          </p:cNvSpPr>
+          <p:nvPr>
+            <p:ph type="ctrTitle"/>
           </p:nvPr>
         </p:nvSpPr>
         <p:spPr/>
         <p:txBody>
           <a:bodyPr>
-            <a:normAutofit fontScale="90000"/>
+            <a:normAutofit/>
           </a:bodyPr>
           <a:lstStyle/>
           <a:p>
             <a:r>
               <a:rPr lang="en-US" dirty="0"/>
-              <a:t>Do Democrats and Republicans report different levels of non-</a:t>
-            </a:r>
-            <a:r>
-              <a:rPr lang="en-US" dirty="0" err="1"/>
-              <a:t>hh</a:t>
-            </a:r>
-            <a:r>
-              <a:rPr lang="en-US" dirty="0"/>
-              <a:t> contact when in each other’s districts?</a:t>
-            </a:r>
-          </a:p>
-        </p:txBody>
-      </p:sp>
-      <p:pic>
-        <p:nvPicPr>
-          <p:cNvPr id="5" name="Content Placeholder 4" descr="A graph with lines and dots&#10;&#10;Description automatically generated">
-            <a:extLst>
-              <a:ext uri="{FF2B5EF4-FFF2-40B4-BE49-F238E27FC236}">
-                <a16:creationId xmlns:a16="http://schemas.microsoft.com/office/drawing/2014/main" id="{C4B6410C-9820-C5B8-059B-8E4BFC9E6335}"/>
-              </a:ext>
-            </a:extLst>
-          </p:cNvPr>
-          <p:cNvPicPr>
-            <a:picLocks noGrp="1" noChangeAspect="1"/>
-          </p:cNvPicPr>
-          <p:nvPr>
-            <p:ph idx="1"/>
-          </p:nvPr>
-        </p:nvPicPr>
-        <p:blipFill>
-          <a:blip r:embed="rId2"/>
-          <a:stretch>
-            <a:fillRect/>
-          </a:stretch>
-        </p:blipFill>
-        <p:spPr>
-          <a:xfrm>
-            <a:off x="2165632" y="2141537"/>
-            <a:ext cx="7860735" cy="4351338"/>
-          </a:xfrm>
-        </p:spPr>
-      </p:pic>
+              <a:t>Being in an Opposing Party District Categorical</a:t>
+            </a:r>
+          </a:p>
+        </p:txBody>
+      </p:sp>
     </p:spTree>
     <p:extLst>
       <p:ext uri="{BB962C8B-B14F-4D97-AF65-F5344CB8AC3E}">
-        <p14:creationId xmlns:p14="http://schemas.microsoft.com/office/powerpoint/2010/main" val="1519087985"/>
+        <p14:creationId xmlns:p14="http://schemas.microsoft.com/office/powerpoint/2010/main" val="4070558788"/>
       </p:ext>
     </p:extLst>
   </p:cSld>
@@ -4725,7 +4346,7 @@
           <p:cNvPr id="2" name="Title 1">
             <a:extLst>
               <a:ext uri="{FF2B5EF4-FFF2-40B4-BE49-F238E27FC236}">
-                <a16:creationId xmlns:a16="http://schemas.microsoft.com/office/drawing/2014/main" id="{2997E302-2678-6418-97FC-66717AEB2322}"/>
+                <a16:creationId xmlns:a16="http://schemas.microsoft.com/office/drawing/2014/main" id="{DA7E18B0-2CBE-5EFE-76B5-FA5CDAD37FC9}"/>
               </a:ext>
             </a:extLst>
           </p:cNvPr>
@@ -4738,32 +4359,22 @@
         </p:nvSpPr>
         <p:spPr/>
         <p:txBody>
-          <a:bodyPr>
-            <a:normAutofit fontScale="90000"/>
-          </a:bodyPr>
+          <a:bodyPr/>
           <a:lstStyle/>
           <a:p>
             <a:r>
               <a:rPr lang="en-US" dirty="0"/>
-              <a:t>Do Democrats and Republicans report different levels of non-</a:t>
-            </a:r>
-            <a:r>
-              <a:rPr lang="en-US" dirty="0" err="1"/>
-              <a:t>hh</a:t>
-            </a:r>
-            <a:r>
-              <a:rPr lang="en-US" dirty="0"/>
-              <a:t> masked contact when in each other’s districts?</a:t>
+              <a:t>Concern</a:t>
             </a:r>
           </a:p>
         </p:txBody>
       </p:sp>
       <p:pic>
         <p:nvPicPr>
-          <p:cNvPr id="5" name="Content Placeholder 4" descr="A graph with red and blue dots&#10;&#10;Description automatically generated">
-            <a:extLst>
-              <a:ext uri="{FF2B5EF4-FFF2-40B4-BE49-F238E27FC236}">
-                <a16:creationId xmlns:a16="http://schemas.microsoft.com/office/drawing/2014/main" id="{A20466A5-1518-4449-418F-C58B53D14AC3}"/>
+          <p:cNvPr id="9" name="Content Placeholder 8" descr="A grid of white lines on a black background&#10;&#10;Description automatically generated">
+            <a:extLst>
+              <a:ext uri="{FF2B5EF4-FFF2-40B4-BE49-F238E27FC236}">
+                <a16:creationId xmlns:a16="http://schemas.microsoft.com/office/drawing/2014/main" id="{E2E36C56-10C9-8235-B56E-FAEDADCE925B}"/>
               </a:ext>
             </a:extLst>
           </p:cNvPr>
@@ -4782,15 +4393,15 @@
         </p:blipFill>
         <p:spPr>
           <a:xfrm>
-            <a:off x="2049895" y="1825625"/>
-            <a:ext cx="8092210" cy="4351338"/>
+            <a:off x="2832496" y="1825625"/>
+            <a:ext cx="6527007" cy="4351338"/>
           </a:xfrm>
         </p:spPr>
       </p:pic>
     </p:spTree>
     <p:extLst>
       <p:ext uri="{BB962C8B-B14F-4D97-AF65-F5344CB8AC3E}">
-        <p14:creationId xmlns:p14="http://schemas.microsoft.com/office/powerpoint/2010/main" val="1693968087"/>
+        <p14:creationId xmlns:p14="http://schemas.microsoft.com/office/powerpoint/2010/main" val="856294286"/>
       </p:ext>
     </p:extLst>
   </p:cSld>
@@ -4822,7 +4433,7 @@
           <p:cNvPr id="2" name="Title 1">
             <a:extLst>
               <a:ext uri="{FF2B5EF4-FFF2-40B4-BE49-F238E27FC236}">
-                <a16:creationId xmlns:a16="http://schemas.microsoft.com/office/drawing/2014/main" id="{8087E843-B0C1-F3FB-95BF-595209E402FE}"/>
+                <a16:creationId xmlns:a16="http://schemas.microsoft.com/office/drawing/2014/main" id="{1A4578E4-C8FF-EDE8-76F1-98AA268CE5D4}"/>
               </a:ext>
             </a:extLst>
           </p:cNvPr>
@@ -4838,7 +4449,10 @@
           <a:bodyPr/>
           <a:lstStyle/>
           <a:p>
-            <a:endParaRPr lang="en-US"/>
+            <a:r>
+              <a:rPr lang="en-US" dirty="0"/>
+              <a:t>Contact Reduction</a:t>
+            </a:r>
           </a:p>
         </p:txBody>
       </p:sp>
@@ -4847,7 +4461,7 @@
           <p:cNvPr id="3" name="Content Placeholder 2">
             <a:extLst>
               <a:ext uri="{FF2B5EF4-FFF2-40B4-BE49-F238E27FC236}">
-                <a16:creationId xmlns:a16="http://schemas.microsoft.com/office/drawing/2014/main" id="{7D795579-C96E-E508-F631-F5B43F62705B}"/>
+                <a16:creationId xmlns:a16="http://schemas.microsoft.com/office/drawing/2014/main" id="{5EFD02AE-3591-0120-1D19-DAEF344D8FF2}"/>
               </a:ext>
             </a:extLst>
           </p:cNvPr>
@@ -4870,7 +4484,453 @@
     </p:spTree>
     <p:extLst>
       <p:ext uri="{BB962C8B-B14F-4D97-AF65-F5344CB8AC3E}">
-        <p14:creationId xmlns:p14="http://schemas.microsoft.com/office/powerpoint/2010/main" val="751822346"/>
+        <p14:creationId xmlns:p14="http://schemas.microsoft.com/office/powerpoint/2010/main" val="3459003573"/>
+      </p:ext>
+    </p:extLst>
+  </p:cSld>
+  <p:clrMapOvr>
+    <a:masterClrMapping/>
+  </p:clrMapOvr>
+</p:sld>
+</file>
+
+<file path=ppt/slides/slide15.xml><?xml version="1.0" encoding="utf-8"?>
+<p:sld xmlns:a="http://schemas.openxmlformats.org/drawingml/2006/main" xmlns:r="http://schemas.openxmlformats.org/officeDocument/2006/relationships" xmlns:p="http://schemas.openxmlformats.org/presentationml/2006/main">
+  <p:cSld>
+    <p:spTree>
+      <p:nvGrpSpPr>
+        <p:cNvPr id="1" name=""/>
+        <p:cNvGrpSpPr/>
+        <p:nvPr/>
+      </p:nvGrpSpPr>
+      <p:grpSpPr>
+        <a:xfrm>
+          <a:off x="0" y="0"/>
+          <a:ext cx="0" cy="0"/>
+          <a:chOff x="0" y="0"/>
+          <a:chExt cx="0" cy="0"/>
+        </a:xfrm>
+      </p:grpSpPr>
+      <p:sp>
+        <p:nvSpPr>
+          <p:cNvPr id="2" name="Title 1">
+            <a:extLst>
+              <a:ext uri="{FF2B5EF4-FFF2-40B4-BE49-F238E27FC236}">
+                <a16:creationId xmlns:a16="http://schemas.microsoft.com/office/drawing/2014/main" id="{DF2BC967-AD44-6AF3-BD56-F7D4ED926698}"/>
+              </a:ext>
+            </a:extLst>
+          </p:cNvPr>
+          <p:cNvSpPr>
+            <a:spLocks noGrp="1"/>
+          </p:cNvSpPr>
+          <p:nvPr>
+            <p:ph type="title"/>
+          </p:nvPr>
+        </p:nvSpPr>
+        <p:spPr/>
+        <p:txBody>
+          <a:bodyPr/>
+          <a:lstStyle/>
+          <a:p>
+            <a:r>
+              <a:rPr lang="en-US" dirty="0"/>
+              <a:t>Reported Contacts</a:t>
+            </a:r>
+          </a:p>
+        </p:txBody>
+      </p:sp>
+      <p:sp>
+        <p:nvSpPr>
+          <p:cNvPr id="3" name="Content Placeholder 2">
+            <a:extLst>
+              <a:ext uri="{FF2B5EF4-FFF2-40B4-BE49-F238E27FC236}">
+                <a16:creationId xmlns:a16="http://schemas.microsoft.com/office/drawing/2014/main" id="{5EA4F588-1537-B50D-E708-586580030713}"/>
+              </a:ext>
+            </a:extLst>
+          </p:cNvPr>
+          <p:cNvSpPr>
+            <a:spLocks noGrp="1"/>
+          </p:cNvSpPr>
+          <p:nvPr>
+            <p:ph idx="1"/>
+          </p:nvPr>
+        </p:nvSpPr>
+        <p:spPr/>
+        <p:txBody>
+          <a:bodyPr/>
+          <a:lstStyle/>
+          <a:p>
+            <a:endParaRPr lang="en-US"/>
+          </a:p>
+        </p:txBody>
+      </p:sp>
+    </p:spTree>
+    <p:extLst>
+      <p:ext uri="{BB962C8B-B14F-4D97-AF65-F5344CB8AC3E}">
+        <p14:creationId xmlns:p14="http://schemas.microsoft.com/office/powerpoint/2010/main" val="3927421305"/>
+      </p:ext>
+    </p:extLst>
+  </p:cSld>
+  <p:clrMapOvr>
+    <a:masterClrMapping/>
+  </p:clrMapOvr>
+</p:sld>
+</file>
+
+<file path=ppt/slides/slide16.xml><?xml version="1.0" encoding="utf-8"?>
+<p:sld xmlns:a="http://schemas.openxmlformats.org/drawingml/2006/main" xmlns:r="http://schemas.openxmlformats.org/officeDocument/2006/relationships" xmlns:p="http://schemas.openxmlformats.org/presentationml/2006/main">
+  <p:cSld>
+    <p:spTree>
+      <p:nvGrpSpPr>
+        <p:cNvPr id="1" name=""/>
+        <p:cNvGrpSpPr/>
+        <p:nvPr/>
+      </p:nvGrpSpPr>
+      <p:grpSpPr>
+        <a:xfrm>
+          <a:off x="0" y="0"/>
+          <a:ext cx="0" cy="0"/>
+          <a:chOff x="0" y="0"/>
+          <a:chExt cx="0" cy="0"/>
+        </a:xfrm>
+      </p:grpSpPr>
+      <p:sp>
+        <p:nvSpPr>
+          <p:cNvPr id="2" name="Title 1">
+            <a:extLst>
+              <a:ext uri="{FF2B5EF4-FFF2-40B4-BE49-F238E27FC236}">
+                <a16:creationId xmlns:a16="http://schemas.microsoft.com/office/drawing/2014/main" id="{2355CEF4-D2F1-EC38-13C4-3857C4A95CCC}"/>
+              </a:ext>
+            </a:extLst>
+          </p:cNvPr>
+          <p:cNvSpPr>
+            <a:spLocks noGrp="1"/>
+          </p:cNvSpPr>
+          <p:nvPr>
+            <p:ph type="title"/>
+          </p:nvPr>
+        </p:nvSpPr>
+        <p:spPr/>
+        <p:txBody>
+          <a:bodyPr/>
+          <a:lstStyle/>
+          <a:p>
+            <a:r>
+              <a:rPr lang="en-US" dirty="0"/>
+              <a:t>Masked Contacts</a:t>
+            </a:r>
+          </a:p>
+        </p:txBody>
+      </p:sp>
+      <p:sp>
+        <p:nvSpPr>
+          <p:cNvPr id="3" name="Content Placeholder 2">
+            <a:extLst>
+              <a:ext uri="{FF2B5EF4-FFF2-40B4-BE49-F238E27FC236}">
+                <a16:creationId xmlns:a16="http://schemas.microsoft.com/office/drawing/2014/main" id="{1FB2D2DA-15D7-4A72-2885-DD3497F86EA8}"/>
+              </a:ext>
+            </a:extLst>
+          </p:cNvPr>
+          <p:cNvSpPr>
+            <a:spLocks noGrp="1"/>
+          </p:cNvSpPr>
+          <p:nvPr>
+            <p:ph idx="1"/>
+          </p:nvPr>
+        </p:nvSpPr>
+        <p:spPr/>
+        <p:txBody>
+          <a:bodyPr/>
+          <a:lstStyle/>
+          <a:p>
+            <a:endParaRPr lang="en-US"/>
+          </a:p>
+        </p:txBody>
+      </p:sp>
+    </p:spTree>
+    <p:extLst>
+      <p:ext uri="{BB962C8B-B14F-4D97-AF65-F5344CB8AC3E}">
+        <p14:creationId xmlns:p14="http://schemas.microsoft.com/office/powerpoint/2010/main" val="969576910"/>
+      </p:ext>
+    </p:extLst>
+  </p:cSld>
+  <p:clrMapOvr>
+    <a:masterClrMapping/>
+  </p:clrMapOvr>
+</p:sld>
+</file>
+
+<file path=ppt/slides/slide17.xml><?xml version="1.0" encoding="utf-8"?>
+<p:sld xmlns:a="http://schemas.openxmlformats.org/drawingml/2006/main" xmlns:r="http://schemas.openxmlformats.org/officeDocument/2006/relationships" xmlns:p="http://schemas.openxmlformats.org/presentationml/2006/main">
+  <p:cSld>
+    <p:spTree>
+      <p:nvGrpSpPr>
+        <p:cNvPr id="1" name=""/>
+        <p:cNvGrpSpPr/>
+        <p:nvPr/>
+      </p:nvGrpSpPr>
+      <p:grpSpPr>
+        <a:xfrm>
+          <a:off x="0" y="0"/>
+          <a:ext cx="0" cy="0"/>
+          <a:chOff x="0" y="0"/>
+          <a:chExt cx="0" cy="0"/>
+        </a:xfrm>
+      </p:grpSpPr>
+      <p:sp>
+        <p:nvSpPr>
+          <p:cNvPr id="2" name="Title 1">
+            <a:extLst>
+              <a:ext uri="{FF2B5EF4-FFF2-40B4-BE49-F238E27FC236}">
+                <a16:creationId xmlns:a16="http://schemas.microsoft.com/office/drawing/2014/main" id="{4D4945D3-1977-C3E8-5444-6E3FAFE2281C}"/>
+              </a:ext>
+            </a:extLst>
+          </p:cNvPr>
+          <p:cNvSpPr>
+            <a:spLocks noGrp="1"/>
+          </p:cNvSpPr>
+          <p:nvPr>
+            <p:ph type="ctrTitle"/>
+          </p:nvPr>
+        </p:nvSpPr>
+        <p:spPr/>
+        <p:txBody>
+          <a:bodyPr>
+            <a:normAutofit/>
+          </a:bodyPr>
+          <a:lstStyle/>
+          <a:p>
+            <a:r>
+              <a:rPr lang="en-US" dirty="0"/>
+              <a:t>Being in a Democratic District Relationships</a:t>
+            </a:r>
+          </a:p>
+        </p:txBody>
+      </p:sp>
+    </p:spTree>
+    <p:extLst>
+      <p:ext uri="{BB962C8B-B14F-4D97-AF65-F5344CB8AC3E}">
+        <p14:creationId xmlns:p14="http://schemas.microsoft.com/office/powerpoint/2010/main" val="573627103"/>
+      </p:ext>
+    </p:extLst>
+  </p:cSld>
+  <p:clrMapOvr>
+    <a:masterClrMapping/>
+  </p:clrMapOvr>
+</p:sld>
+</file>
+
+<file path=ppt/slides/slide18.xml><?xml version="1.0" encoding="utf-8"?>
+<p:sld xmlns:a="http://schemas.openxmlformats.org/drawingml/2006/main" xmlns:r="http://schemas.openxmlformats.org/officeDocument/2006/relationships" xmlns:p="http://schemas.openxmlformats.org/presentationml/2006/main">
+  <p:cSld>
+    <p:spTree>
+      <p:nvGrpSpPr>
+        <p:cNvPr id="1" name=""/>
+        <p:cNvGrpSpPr/>
+        <p:nvPr/>
+      </p:nvGrpSpPr>
+      <p:grpSpPr>
+        <a:xfrm>
+          <a:off x="0" y="0"/>
+          <a:ext cx="0" cy="0"/>
+          <a:chOff x="0" y="0"/>
+          <a:chExt cx="0" cy="0"/>
+        </a:xfrm>
+      </p:grpSpPr>
+      <p:sp>
+        <p:nvSpPr>
+          <p:cNvPr id="2" name="Title 1">
+            <a:extLst>
+              <a:ext uri="{FF2B5EF4-FFF2-40B4-BE49-F238E27FC236}">
+                <a16:creationId xmlns:a16="http://schemas.microsoft.com/office/drawing/2014/main" id="{C6551E88-644D-D9E8-E1D8-EF44BAE5AAE7}"/>
+              </a:ext>
+            </a:extLst>
+          </p:cNvPr>
+          <p:cNvSpPr>
+            <a:spLocks noGrp="1"/>
+          </p:cNvSpPr>
+          <p:nvPr>
+            <p:ph type="title"/>
+          </p:nvPr>
+        </p:nvSpPr>
+        <p:spPr/>
+        <p:txBody>
+          <a:bodyPr/>
+          <a:lstStyle/>
+          <a:p>
+            <a:r>
+              <a:rPr lang="en-US" dirty="0"/>
+              <a:t>In Democrat Districts: Concern</a:t>
+            </a:r>
+          </a:p>
+        </p:txBody>
+      </p:sp>
+      <p:pic>
+        <p:nvPicPr>
+          <p:cNvPr id="9" name="Content Placeholder 8" descr="A graph with a red line and blue line&#10;&#10;Description automatically generated">
+            <a:extLst>
+              <a:ext uri="{FF2B5EF4-FFF2-40B4-BE49-F238E27FC236}">
+                <a16:creationId xmlns:a16="http://schemas.microsoft.com/office/drawing/2014/main" id="{C275E84B-A3AB-A650-1113-06A5A9E63201}"/>
+              </a:ext>
+            </a:extLst>
+          </p:cNvPr>
+          <p:cNvPicPr>
+            <a:picLocks noGrp="1" noChangeAspect="1"/>
+          </p:cNvPicPr>
+          <p:nvPr>
+            <p:ph idx="1"/>
+          </p:nvPr>
+        </p:nvPicPr>
+        <p:blipFill>
+          <a:blip r:embed="rId3"/>
+          <a:stretch>
+            <a:fillRect/>
+          </a:stretch>
+        </p:blipFill>
+        <p:spPr>
+          <a:xfrm>
+            <a:off x="2586681" y="1477427"/>
+            <a:ext cx="7018637" cy="5263978"/>
+          </a:xfrm>
+        </p:spPr>
+      </p:pic>
+      <p:sp>
+        <p:nvSpPr>
+          <p:cNvPr id="10" name="Rectangle 9">
+            <a:extLst>
+              <a:ext uri="{FF2B5EF4-FFF2-40B4-BE49-F238E27FC236}">
+                <a16:creationId xmlns:a16="http://schemas.microsoft.com/office/drawing/2014/main" id="{335B4CCD-B0CA-33E6-C388-7FA47AA06771}"/>
+              </a:ext>
+            </a:extLst>
+          </p:cNvPr>
+          <p:cNvSpPr/>
+          <p:nvPr/>
+        </p:nvSpPr>
+        <p:spPr>
+          <a:xfrm>
+            <a:off x="6232634" y="6492875"/>
+            <a:ext cx="630621" cy="199697"/>
+          </a:xfrm>
+          <a:prstGeom prst="rect">
+            <a:avLst/>
+          </a:prstGeom>
+        </p:spPr>
+        <p:style>
+          <a:lnRef idx="2">
+            <a:schemeClr val="accent1">
+              <a:shade val="15000"/>
+            </a:schemeClr>
+          </a:lnRef>
+          <a:fillRef idx="1">
+            <a:schemeClr val="accent1"/>
+          </a:fillRef>
+          <a:effectRef idx="0">
+            <a:schemeClr val="accent1"/>
+          </a:effectRef>
+          <a:fontRef idx="minor">
+            <a:schemeClr val="lt1"/>
+          </a:fontRef>
+        </p:style>
+        <p:txBody>
+          <a:bodyPr rtlCol="0" anchor="ctr"/>
+          <a:lstStyle/>
+          <a:p>
+            <a:pPr algn="ctr"/>
+            <a:endParaRPr lang="en-US"/>
+          </a:p>
+        </p:txBody>
+      </p:sp>
+    </p:spTree>
+    <p:extLst>
+      <p:ext uri="{BB962C8B-B14F-4D97-AF65-F5344CB8AC3E}">
+        <p14:creationId xmlns:p14="http://schemas.microsoft.com/office/powerpoint/2010/main" val="268912504"/>
+      </p:ext>
+    </p:extLst>
+  </p:cSld>
+  <p:clrMapOvr>
+    <a:masterClrMapping/>
+  </p:clrMapOvr>
+</p:sld>
+</file>
+
+<file path=ppt/slides/slide19.xml><?xml version="1.0" encoding="utf-8"?>
+<p:sld xmlns:a="http://schemas.openxmlformats.org/drawingml/2006/main" xmlns:r="http://schemas.openxmlformats.org/officeDocument/2006/relationships" xmlns:p="http://schemas.openxmlformats.org/presentationml/2006/main">
+  <p:cSld>
+    <p:spTree>
+      <p:nvGrpSpPr>
+        <p:cNvPr id="1" name=""/>
+        <p:cNvGrpSpPr/>
+        <p:nvPr/>
+      </p:nvGrpSpPr>
+      <p:grpSpPr>
+        <a:xfrm>
+          <a:off x="0" y="0"/>
+          <a:ext cx="0" cy="0"/>
+          <a:chOff x="0" y="0"/>
+          <a:chExt cx="0" cy="0"/>
+        </a:xfrm>
+      </p:grpSpPr>
+      <p:sp>
+        <p:nvSpPr>
+          <p:cNvPr id="2" name="Title 1">
+            <a:extLst>
+              <a:ext uri="{FF2B5EF4-FFF2-40B4-BE49-F238E27FC236}">
+                <a16:creationId xmlns:a16="http://schemas.microsoft.com/office/drawing/2014/main" id="{5A62E9B1-4A33-D09E-DAA8-7B0EB3435C6D}"/>
+              </a:ext>
+            </a:extLst>
+          </p:cNvPr>
+          <p:cNvSpPr>
+            <a:spLocks noGrp="1"/>
+          </p:cNvSpPr>
+          <p:nvPr>
+            <p:ph type="title"/>
+          </p:nvPr>
+        </p:nvSpPr>
+        <p:spPr/>
+        <p:txBody>
+          <a:bodyPr/>
+          <a:lstStyle/>
+          <a:p>
+            <a:r>
+              <a:rPr lang="en-US" dirty="0"/>
+              <a:t>In Democrat Districts: Contact Reduction</a:t>
+            </a:r>
+          </a:p>
+        </p:txBody>
+      </p:sp>
+      <p:pic>
+        <p:nvPicPr>
+          <p:cNvPr id="5" name="Content Placeholder 4" descr="A graph of a graph with a red line&#10;&#10;Description automatically generated with medium confidence">
+            <a:extLst>
+              <a:ext uri="{FF2B5EF4-FFF2-40B4-BE49-F238E27FC236}">
+                <a16:creationId xmlns:a16="http://schemas.microsoft.com/office/drawing/2014/main" id="{C7E7212F-549B-ABA8-AB44-539AE1FBC39B}"/>
+              </a:ext>
+            </a:extLst>
+          </p:cNvPr>
+          <p:cNvPicPr>
+            <a:picLocks noGrp="1" noChangeAspect="1"/>
+          </p:cNvPicPr>
+          <p:nvPr>
+            <p:ph idx="1"/>
+          </p:nvPr>
+        </p:nvPicPr>
+        <p:blipFill>
+          <a:blip r:embed="rId2"/>
+          <a:stretch>
+            <a:fillRect/>
+          </a:stretch>
+        </p:blipFill>
+        <p:spPr>
+          <a:xfrm>
+            <a:off x="2686221" y="1566156"/>
+            <a:ext cx="6819557" cy="5114668"/>
+          </a:xfrm>
+        </p:spPr>
+      </p:pic>
+    </p:spTree>
+    <p:extLst>
+      <p:ext uri="{BB962C8B-B14F-4D97-AF65-F5344CB8AC3E}">
+        <p14:creationId xmlns:p14="http://schemas.microsoft.com/office/powerpoint/2010/main" val="1865188507"/>
       </p:ext>
     </p:extLst>
   </p:cSld>
@@ -4902,7 +4962,7 @@
           <p:cNvPr id="2" name="Title 1">
             <a:extLst>
               <a:ext uri="{FF2B5EF4-FFF2-40B4-BE49-F238E27FC236}">
-                <a16:creationId xmlns:a16="http://schemas.microsoft.com/office/drawing/2014/main" id="{DA5ECC8C-AAFD-DDD5-FEEC-6D6BFA92A2F1}"/>
+                <a16:creationId xmlns:a16="http://schemas.microsoft.com/office/drawing/2014/main" id="{001FA7A9-19AA-9435-AB17-FBAA24B2A45D}"/>
               </a:ext>
             </a:extLst>
           </p:cNvPr>
@@ -4920,44 +4980,846 @@
           <a:p>
             <a:r>
               <a:rPr lang="en-US" dirty="0"/>
-              <a:t>Who is more likely to say they reduced their contact?</a:t>
+              <a:t>Concern</a:t>
             </a:r>
           </a:p>
         </p:txBody>
       </p:sp>
       <p:pic>
         <p:nvPicPr>
-          <p:cNvPr id="5" name="Picture 4">
-            <a:extLst>
-              <a:ext uri="{FF2B5EF4-FFF2-40B4-BE49-F238E27FC236}">
-                <a16:creationId xmlns:a16="http://schemas.microsoft.com/office/drawing/2014/main" id="{762ECFA7-ED7A-EE16-D2D3-8A7FB00097AD}"/>
+          <p:cNvPr id="5" name="Content Placeholder 4" descr="A grid of white lines on a black background&#10;&#10;Description automatically generated">
+            <a:extLst>
+              <a:ext uri="{FF2B5EF4-FFF2-40B4-BE49-F238E27FC236}">
+                <a16:creationId xmlns:a16="http://schemas.microsoft.com/office/drawing/2014/main" id="{4D824621-7936-30AF-65F4-46A642F596AE}"/>
               </a:ext>
             </a:extLst>
           </p:cNvPr>
           <p:cNvPicPr>
-            <a:picLocks noChangeAspect="1"/>
+            <a:picLocks noGrp="1" noChangeAspect="1"/>
           </p:cNvPicPr>
-          <p:nvPr/>
+          <p:nvPr>
+            <p:ph idx="1"/>
+          </p:nvPr>
+        </p:nvPicPr>
+        <p:blipFill>
+          <a:blip r:embed="rId2"/>
+          <a:stretch>
+            <a:fillRect/>
+          </a:stretch>
+        </p:blipFill>
+        <p:spPr>
+          <a:xfrm>
+            <a:off x="2832496" y="1825625"/>
+            <a:ext cx="6527007" cy="4351338"/>
+          </a:xfrm>
+        </p:spPr>
+      </p:pic>
+    </p:spTree>
+    <p:extLst>
+      <p:ext uri="{BB962C8B-B14F-4D97-AF65-F5344CB8AC3E}">
+        <p14:creationId xmlns:p14="http://schemas.microsoft.com/office/powerpoint/2010/main" val="3273629934"/>
+      </p:ext>
+    </p:extLst>
+  </p:cSld>
+  <p:clrMapOvr>
+    <a:masterClrMapping/>
+  </p:clrMapOvr>
+</p:sld>
+</file>
+
+<file path=ppt/slides/slide20.xml><?xml version="1.0" encoding="utf-8"?>
+<p:sld xmlns:a="http://schemas.openxmlformats.org/drawingml/2006/main" xmlns:r="http://schemas.openxmlformats.org/officeDocument/2006/relationships" xmlns:p="http://schemas.openxmlformats.org/presentationml/2006/main">
+  <p:cSld>
+    <p:spTree>
+      <p:nvGrpSpPr>
+        <p:cNvPr id="1" name=""/>
+        <p:cNvGrpSpPr/>
+        <p:nvPr/>
+      </p:nvGrpSpPr>
+      <p:grpSpPr>
+        <a:xfrm>
+          <a:off x="0" y="0"/>
+          <a:ext cx="0" cy="0"/>
+          <a:chOff x="0" y="0"/>
+          <a:chExt cx="0" cy="0"/>
+        </a:xfrm>
+      </p:grpSpPr>
+      <p:sp>
+        <p:nvSpPr>
+          <p:cNvPr id="2" name="Title 1">
+            <a:extLst>
+              <a:ext uri="{FF2B5EF4-FFF2-40B4-BE49-F238E27FC236}">
+                <a16:creationId xmlns:a16="http://schemas.microsoft.com/office/drawing/2014/main" id="{AE8BD722-24A9-5C99-3120-0571F77966FD}"/>
+              </a:ext>
+            </a:extLst>
+          </p:cNvPr>
+          <p:cNvSpPr>
+            <a:spLocks noGrp="1"/>
+          </p:cNvSpPr>
+          <p:nvPr>
+            <p:ph type="title"/>
+          </p:nvPr>
+        </p:nvSpPr>
+        <p:spPr/>
+        <p:txBody>
+          <a:bodyPr/>
+          <a:lstStyle/>
+          <a:p>
+            <a:r>
+              <a:rPr lang="en-US" dirty="0"/>
+              <a:t>In Democrat Districts: Contacts</a:t>
+            </a:r>
+          </a:p>
+        </p:txBody>
+      </p:sp>
+      <p:pic>
+        <p:nvPicPr>
+          <p:cNvPr id="5" name="Content Placeholder 4" descr="A graph of a graph with lines&#10;&#10;Description automatically generated with medium confidence">
+            <a:extLst>
+              <a:ext uri="{FF2B5EF4-FFF2-40B4-BE49-F238E27FC236}">
+                <a16:creationId xmlns:a16="http://schemas.microsoft.com/office/drawing/2014/main" id="{E82C6B31-D4C7-C10A-D1C7-C3CA581AE6DE}"/>
+              </a:ext>
+            </a:extLst>
+          </p:cNvPr>
+          <p:cNvPicPr>
+            <a:picLocks noGrp="1" noChangeAspect="1"/>
+          </p:cNvPicPr>
+          <p:nvPr>
+            <p:ph idx="1"/>
+          </p:nvPr>
         </p:nvPicPr>
         <p:blipFill>
           <a:blip r:embed="rId3"/>
-          <a:srcRect/>
-          <a:stretch/>
+          <a:stretch>
+            <a:fillRect/>
+          </a:stretch>
         </p:blipFill>
         <p:spPr>
           <a:xfrm>
-            <a:off x="2103060" y="1698487"/>
-            <a:ext cx="7985880" cy="4592270"/>
+            <a:off x="2516745" y="1489117"/>
+            <a:ext cx="7158510" cy="5368883"/>
+          </a:xfrm>
+        </p:spPr>
+      </p:pic>
+    </p:spTree>
+    <p:extLst>
+      <p:ext uri="{BB962C8B-B14F-4D97-AF65-F5344CB8AC3E}">
+        <p14:creationId xmlns:p14="http://schemas.microsoft.com/office/powerpoint/2010/main" val="2158014026"/>
+      </p:ext>
+    </p:extLst>
+  </p:cSld>
+  <p:clrMapOvr>
+    <a:masterClrMapping/>
+  </p:clrMapOvr>
+</p:sld>
+</file>
+
+<file path=ppt/slides/slide21.xml><?xml version="1.0" encoding="utf-8"?>
+<p:sld xmlns:a="http://schemas.openxmlformats.org/drawingml/2006/main" xmlns:r="http://schemas.openxmlformats.org/officeDocument/2006/relationships" xmlns:p="http://schemas.openxmlformats.org/presentationml/2006/main">
+  <p:cSld>
+    <p:spTree>
+      <p:nvGrpSpPr>
+        <p:cNvPr id="1" name=""/>
+        <p:cNvGrpSpPr/>
+        <p:nvPr/>
+      </p:nvGrpSpPr>
+      <p:grpSpPr>
+        <a:xfrm>
+          <a:off x="0" y="0"/>
+          <a:ext cx="0" cy="0"/>
+          <a:chOff x="0" y="0"/>
+          <a:chExt cx="0" cy="0"/>
+        </a:xfrm>
+      </p:grpSpPr>
+      <p:sp>
+        <p:nvSpPr>
+          <p:cNvPr id="2" name="Title 1">
+            <a:extLst>
+              <a:ext uri="{FF2B5EF4-FFF2-40B4-BE49-F238E27FC236}">
+                <a16:creationId xmlns:a16="http://schemas.microsoft.com/office/drawing/2014/main" id="{753D8D3D-9010-491E-3F60-A44965114D3F}"/>
+              </a:ext>
+            </a:extLst>
+          </p:cNvPr>
+          <p:cNvSpPr>
+            <a:spLocks noGrp="1"/>
+          </p:cNvSpPr>
+          <p:nvPr>
+            <p:ph type="title"/>
+          </p:nvPr>
+        </p:nvSpPr>
+        <p:spPr/>
+        <p:txBody>
+          <a:bodyPr/>
+          <a:lstStyle/>
+          <a:p>
+            <a:r>
+              <a:rPr lang="en-US" dirty="0"/>
+              <a:t>In Democrat Districts: Masked Contact</a:t>
+            </a:r>
+          </a:p>
+        </p:txBody>
+      </p:sp>
+      <p:pic>
+        <p:nvPicPr>
+          <p:cNvPr id="5" name="Content Placeholder 4" descr="A graph of a person with a red line&#10;&#10;Description automatically generated">
+            <a:extLst>
+              <a:ext uri="{FF2B5EF4-FFF2-40B4-BE49-F238E27FC236}">
+                <a16:creationId xmlns:a16="http://schemas.microsoft.com/office/drawing/2014/main" id="{45F7D69A-3BDB-C32F-BD21-2B37F04D7E91}"/>
+              </a:ext>
+            </a:extLst>
+          </p:cNvPr>
+          <p:cNvPicPr>
+            <a:picLocks noGrp="1" noChangeAspect="1"/>
+          </p:cNvPicPr>
+          <p:nvPr>
+            <p:ph idx="1"/>
+          </p:nvPr>
+        </p:nvPicPr>
+        <p:blipFill>
+          <a:blip r:embed="rId3"/>
+          <a:stretch>
+            <a:fillRect/>
+          </a:stretch>
+        </p:blipFill>
+        <p:spPr>
+          <a:xfrm>
+            <a:off x="2421923" y="1214845"/>
+            <a:ext cx="7389341" cy="5542006"/>
+          </a:xfrm>
+        </p:spPr>
+      </p:pic>
+      <p:sp>
+        <p:nvSpPr>
+          <p:cNvPr id="6" name="Rectangle 5">
+            <a:extLst>
+              <a:ext uri="{FF2B5EF4-FFF2-40B4-BE49-F238E27FC236}">
+                <a16:creationId xmlns:a16="http://schemas.microsoft.com/office/drawing/2014/main" id="{BDCFFD3C-8295-CBC0-2B72-69BD9674D2D2}"/>
+              </a:ext>
+            </a:extLst>
+          </p:cNvPr>
+          <p:cNvSpPr/>
+          <p:nvPr/>
+        </p:nvSpPr>
+        <p:spPr>
+          <a:xfrm>
+            <a:off x="6274676" y="6400800"/>
+            <a:ext cx="662152" cy="273269"/>
           </a:xfrm>
           <a:prstGeom prst="rect">
             <a:avLst/>
           </a:prstGeom>
         </p:spPr>
+        <p:style>
+          <a:lnRef idx="2">
+            <a:schemeClr val="accent1">
+              <a:shade val="15000"/>
+            </a:schemeClr>
+          </a:lnRef>
+          <a:fillRef idx="1">
+            <a:schemeClr val="accent1"/>
+          </a:fillRef>
+          <a:effectRef idx="0">
+            <a:schemeClr val="accent1"/>
+          </a:effectRef>
+          <a:fontRef idx="minor">
+            <a:schemeClr val="lt1"/>
+          </a:fontRef>
+        </p:style>
+        <p:txBody>
+          <a:bodyPr rtlCol="0" anchor="ctr"/>
+          <a:lstStyle/>
+          <a:p>
+            <a:pPr algn="ctr"/>
+            <a:endParaRPr lang="en-US"/>
+          </a:p>
+        </p:txBody>
+      </p:sp>
+    </p:spTree>
+    <p:extLst>
+      <p:ext uri="{BB962C8B-B14F-4D97-AF65-F5344CB8AC3E}">
+        <p14:creationId xmlns:p14="http://schemas.microsoft.com/office/powerpoint/2010/main" val="2035999801"/>
+      </p:ext>
+    </p:extLst>
+  </p:cSld>
+  <p:clrMapOvr>
+    <a:masterClrMapping/>
+  </p:clrMapOvr>
+</p:sld>
+</file>
+
+<file path=ppt/slides/slide22.xml><?xml version="1.0" encoding="utf-8"?>
+<p:sld xmlns:a="http://schemas.openxmlformats.org/drawingml/2006/main" xmlns:r="http://schemas.openxmlformats.org/officeDocument/2006/relationships" xmlns:p="http://schemas.openxmlformats.org/presentationml/2006/main">
+  <p:cSld>
+    <p:spTree>
+      <p:nvGrpSpPr>
+        <p:cNvPr id="1" name=""/>
+        <p:cNvGrpSpPr/>
+        <p:nvPr/>
+      </p:nvGrpSpPr>
+      <p:grpSpPr>
+        <a:xfrm>
+          <a:off x="0" y="0"/>
+          <a:ext cx="0" cy="0"/>
+          <a:chOff x="0" y="0"/>
+          <a:chExt cx="0" cy="0"/>
+        </a:xfrm>
+      </p:grpSpPr>
+      <p:sp>
+        <p:nvSpPr>
+          <p:cNvPr id="2" name="Title 1">
+            <a:extLst>
+              <a:ext uri="{FF2B5EF4-FFF2-40B4-BE49-F238E27FC236}">
+                <a16:creationId xmlns:a16="http://schemas.microsoft.com/office/drawing/2014/main" id="{7E685681-DB7C-B37A-21C4-8FED61F33E44}"/>
+              </a:ext>
+            </a:extLst>
+          </p:cNvPr>
+          <p:cNvSpPr>
+            <a:spLocks noGrp="1"/>
+          </p:cNvSpPr>
+          <p:nvPr>
+            <p:ph type="title"/>
+          </p:nvPr>
+        </p:nvSpPr>
+        <p:spPr/>
+        <p:txBody>
+          <a:bodyPr/>
+          <a:lstStyle/>
+          <a:p>
+            <a:r>
+              <a:rPr lang="en-US" dirty="0"/>
+              <a:t>In Democrat Districts: Vaccines</a:t>
+            </a:r>
+          </a:p>
+        </p:txBody>
+      </p:sp>
+      <p:pic>
+        <p:nvPicPr>
+          <p:cNvPr id="5" name="Content Placeholder 4" descr="A graph with a red line&#10;&#10;Description automatically generated">
+            <a:extLst>
+              <a:ext uri="{FF2B5EF4-FFF2-40B4-BE49-F238E27FC236}">
+                <a16:creationId xmlns:a16="http://schemas.microsoft.com/office/drawing/2014/main" id="{E962360F-8A66-5635-CC7D-BCFE2C673FD7}"/>
+              </a:ext>
+            </a:extLst>
+          </p:cNvPr>
+          <p:cNvPicPr>
+            <a:picLocks noGrp="1" noChangeAspect="1"/>
+          </p:cNvPicPr>
+          <p:nvPr>
+            <p:ph idx="1"/>
+          </p:nvPr>
+        </p:nvPicPr>
+        <p:blipFill>
+          <a:blip r:embed="rId2"/>
+          <a:stretch>
+            <a:fillRect/>
+          </a:stretch>
+        </p:blipFill>
+        <p:spPr>
+          <a:xfrm>
+            <a:off x="2560251" y="1390564"/>
+            <a:ext cx="7071497" cy="5303622"/>
+          </a:xfrm>
+        </p:spPr>
       </p:pic>
     </p:spTree>
     <p:extLst>
       <p:ext uri="{BB962C8B-B14F-4D97-AF65-F5344CB8AC3E}">
-        <p14:creationId xmlns:p14="http://schemas.microsoft.com/office/powerpoint/2010/main" val="238213255"/>
+        <p14:creationId xmlns:p14="http://schemas.microsoft.com/office/powerpoint/2010/main" val="2776581130"/>
+      </p:ext>
+    </p:extLst>
+  </p:cSld>
+  <p:clrMapOvr>
+    <a:masterClrMapping/>
+  </p:clrMapOvr>
+</p:sld>
+</file>
+
+<file path=ppt/slides/slide23.xml><?xml version="1.0" encoding="utf-8"?>
+<p:sld xmlns:a="http://schemas.openxmlformats.org/drawingml/2006/main" xmlns:r="http://schemas.openxmlformats.org/officeDocument/2006/relationships" xmlns:p="http://schemas.openxmlformats.org/presentationml/2006/main">
+  <p:cSld>
+    <p:spTree>
+      <p:nvGrpSpPr>
+        <p:cNvPr id="1" name=""/>
+        <p:cNvGrpSpPr/>
+        <p:nvPr/>
+      </p:nvGrpSpPr>
+      <p:grpSpPr>
+        <a:xfrm>
+          <a:off x="0" y="0"/>
+          <a:ext cx="0" cy="0"/>
+          <a:chOff x="0" y="0"/>
+          <a:chExt cx="0" cy="0"/>
+        </a:xfrm>
+      </p:grpSpPr>
+      <p:sp>
+        <p:nvSpPr>
+          <p:cNvPr id="2" name="Title 1">
+            <a:extLst>
+              <a:ext uri="{FF2B5EF4-FFF2-40B4-BE49-F238E27FC236}">
+                <a16:creationId xmlns:a16="http://schemas.microsoft.com/office/drawing/2014/main" id="{4D4945D3-1977-C3E8-5444-6E3FAFE2281C}"/>
+              </a:ext>
+            </a:extLst>
+          </p:cNvPr>
+          <p:cNvSpPr>
+            <a:spLocks noGrp="1"/>
+          </p:cNvSpPr>
+          <p:nvPr>
+            <p:ph type="ctrTitle"/>
+          </p:nvPr>
+        </p:nvSpPr>
+        <p:spPr/>
+        <p:txBody>
+          <a:bodyPr>
+            <a:normAutofit/>
+          </a:bodyPr>
+          <a:lstStyle/>
+          <a:p>
+            <a:r>
+              <a:rPr lang="en-US" dirty="0"/>
+              <a:t>Being in a Republican District Relationships</a:t>
+            </a:r>
+          </a:p>
+        </p:txBody>
+      </p:sp>
+    </p:spTree>
+    <p:extLst>
+      <p:ext uri="{BB962C8B-B14F-4D97-AF65-F5344CB8AC3E}">
+        <p14:creationId xmlns:p14="http://schemas.microsoft.com/office/powerpoint/2010/main" val="2661717406"/>
+      </p:ext>
+    </p:extLst>
+  </p:cSld>
+  <p:clrMapOvr>
+    <a:masterClrMapping/>
+  </p:clrMapOvr>
+</p:sld>
+</file>
+
+<file path=ppt/slides/slide24.xml><?xml version="1.0" encoding="utf-8"?>
+<p:sld xmlns:a="http://schemas.openxmlformats.org/drawingml/2006/main" xmlns:r="http://schemas.openxmlformats.org/officeDocument/2006/relationships" xmlns:p="http://schemas.openxmlformats.org/presentationml/2006/main">
+  <p:cSld>
+    <p:spTree>
+      <p:nvGrpSpPr>
+        <p:cNvPr id="1" name=""/>
+        <p:cNvGrpSpPr/>
+        <p:nvPr/>
+      </p:nvGrpSpPr>
+      <p:grpSpPr>
+        <a:xfrm>
+          <a:off x="0" y="0"/>
+          <a:ext cx="0" cy="0"/>
+          <a:chOff x="0" y="0"/>
+          <a:chExt cx="0" cy="0"/>
+        </a:xfrm>
+      </p:grpSpPr>
+      <p:sp>
+        <p:nvSpPr>
+          <p:cNvPr id="2" name="Title 1">
+            <a:extLst>
+              <a:ext uri="{FF2B5EF4-FFF2-40B4-BE49-F238E27FC236}">
+                <a16:creationId xmlns:a16="http://schemas.microsoft.com/office/drawing/2014/main" id="{C6551E88-644D-D9E8-E1D8-EF44BAE5AAE7}"/>
+              </a:ext>
+            </a:extLst>
+          </p:cNvPr>
+          <p:cNvSpPr>
+            <a:spLocks noGrp="1"/>
+          </p:cNvSpPr>
+          <p:nvPr>
+            <p:ph type="title"/>
+          </p:nvPr>
+        </p:nvSpPr>
+        <p:spPr/>
+        <p:txBody>
+          <a:bodyPr/>
+          <a:lstStyle/>
+          <a:p>
+            <a:r>
+              <a:rPr lang="en-US" dirty="0"/>
+              <a:t>In Republican Districts: Concern</a:t>
+            </a:r>
+          </a:p>
+        </p:txBody>
+      </p:sp>
+      <p:pic>
+        <p:nvPicPr>
+          <p:cNvPr id="5" name="Content Placeholder 4" descr="A graph of a graph with red and blue lines&#10;&#10;Description automatically generated">
+            <a:extLst>
+              <a:ext uri="{FF2B5EF4-FFF2-40B4-BE49-F238E27FC236}">
+                <a16:creationId xmlns:a16="http://schemas.microsoft.com/office/drawing/2014/main" id="{F1E6F94F-8D89-7CD7-6B1F-A482AF253D6B}"/>
+              </a:ext>
+            </a:extLst>
+          </p:cNvPr>
+          <p:cNvPicPr>
+            <a:picLocks noGrp="1" noChangeAspect="1"/>
+          </p:cNvPicPr>
+          <p:nvPr>
+            <p:ph idx="1"/>
+          </p:nvPr>
+        </p:nvPicPr>
+        <p:blipFill>
+          <a:blip r:embed="rId2"/>
+          <a:stretch>
+            <a:fillRect/>
+          </a:stretch>
+        </p:blipFill>
+        <p:spPr>
+          <a:xfrm>
+            <a:off x="2481649" y="1436473"/>
+            <a:ext cx="7228702" cy="5421527"/>
+          </a:xfrm>
+        </p:spPr>
+      </p:pic>
+    </p:spTree>
+    <p:extLst>
+      <p:ext uri="{BB962C8B-B14F-4D97-AF65-F5344CB8AC3E}">
+        <p14:creationId xmlns:p14="http://schemas.microsoft.com/office/powerpoint/2010/main" val="962245388"/>
+      </p:ext>
+    </p:extLst>
+  </p:cSld>
+  <p:clrMapOvr>
+    <a:masterClrMapping/>
+  </p:clrMapOvr>
+</p:sld>
+</file>
+
+<file path=ppt/slides/slide25.xml><?xml version="1.0" encoding="utf-8"?>
+<p:sld xmlns:a="http://schemas.openxmlformats.org/drawingml/2006/main" xmlns:r="http://schemas.openxmlformats.org/officeDocument/2006/relationships" xmlns:p="http://schemas.openxmlformats.org/presentationml/2006/main">
+  <p:cSld>
+    <p:spTree>
+      <p:nvGrpSpPr>
+        <p:cNvPr id="1" name=""/>
+        <p:cNvGrpSpPr/>
+        <p:nvPr/>
+      </p:nvGrpSpPr>
+      <p:grpSpPr>
+        <a:xfrm>
+          <a:off x="0" y="0"/>
+          <a:ext cx="0" cy="0"/>
+          <a:chOff x="0" y="0"/>
+          <a:chExt cx="0" cy="0"/>
+        </a:xfrm>
+      </p:grpSpPr>
+      <p:sp>
+        <p:nvSpPr>
+          <p:cNvPr id="2" name="Title 1">
+            <a:extLst>
+              <a:ext uri="{FF2B5EF4-FFF2-40B4-BE49-F238E27FC236}">
+                <a16:creationId xmlns:a16="http://schemas.microsoft.com/office/drawing/2014/main" id="{5A62E9B1-4A33-D09E-DAA8-7B0EB3435C6D}"/>
+              </a:ext>
+            </a:extLst>
+          </p:cNvPr>
+          <p:cNvSpPr>
+            <a:spLocks noGrp="1"/>
+          </p:cNvSpPr>
+          <p:nvPr>
+            <p:ph type="title"/>
+          </p:nvPr>
+        </p:nvSpPr>
+        <p:spPr/>
+        <p:txBody>
+          <a:bodyPr/>
+          <a:lstStyle/>
+          <a:p>
+            <a:r>
+              <a:rPr lang="en-US" dirty="0"/>
+              <a:t>In Republican Districts: Contact Reduction</a:t>
+            </a:r>
+          </a:p>
+        </p:txBody>
+      </p:sp>
+      <p:pic>
+        <p:nvPicPr>
+          <p:cNvPr id="5" name="Content Placeholder 4" descr="A graph with red and blue lines&#10;&#10;Description automatically generated">
+            <a:extLst>
+              <a:ext uri="{FF2B5EF4-FFF2-40B4-BE49-F238E27FC236}">
+                <a16:creationId xmlns:a16="http://schemas.microsoft.com/office/drawing/2014/main" id="{38751745-44A2-C2C0-AB2D-24216244AFFC}"/>
+              </a:ext>
+            </a:extLst>
+          </p:cNvPr>
+          <p:cNvPicPr>
+            <a:picLocks noGrp="1" noChangeAspect="1"/>
+          </p:cNvPicPr>
+          <p:nvPr>
+            <p:ph idx="1"/>
+          </p:nvPr>
+        </p:nvPicPr>
+        <p:blipFill>
+          <a:blip r:embed="rId2"/>
+          <a:stretch>
+            <a:fillRect/>
+          </a:stretch>
+        </p:blipFill>
+        <p:spPr>
+          <a:xfrm>
+            <a:off x="2655772" y="1499951"/>
+            <a:ext cx="7028735" cy="5271552"/>
+          </a:xfrm>
+        </p:spPr>
+      </p:pic>
+    </p:spTree>
+    <p:extLst>
+      <p:ext uri="{BB962C8B-B14F-4D97-AF65-F5344CB8AC3E}">
+        <p14:creationId xmlns:p14="http://schemas.microsoft.com/office/powerpoint/2010/main" val="648524795"/>
+      </p:ext>
+    </p:extLst>
+  </p:cSld>
+  <p:clrMapOvr>
+    <a:masterClrMapping/>
+  </p:clrMapOvr>
+</p:sld>
+</file>
+
+<file path=ppt/slides/slide26.xml><?xml version="1.0" encoding="utf-8"?>
+<p:sld xmlns:a="http://schemas.openxmlformats.org/drawingml/2006/main" xmlns:r="http://schemas.openxmlformats.org/officeDocument/2006/relationships" xmlns:p="http://schemas.openxmlformats.org/presentationml/2006/main">
+  <p:cSld>
+    <p:spTree>
+      <p:nvGrpSpPr>
+        <p:cNvPr id="1" name=""/>
+        <p:cNvGrpSpPr/>
+        <p:nvPr/>
+      </p:nvGrpSpPr>
+      <p:grpSpPr>
+        <a:xfrm>
+          <a:off x="0" y="0"/>
+          <a:ext cx="0" cy="0"/>
+          <a:chOff x="0" y="0"/>
+          <a:chExt cx="0" cy="0"/>
+        </a:xfrm>
+      </p:grpSpPr>
+      <p:sp>
+        <p:nvSpPr>
+          <p:cNvPr id="2" name="Title 1">
+            <a:extLst>
+              <a:ext uri="{FF2B5EF4-FFF2-40B4-BE49-F238E27FC236}">
+                <a16:creationId xmlns:a16="http://schemas.microsoft.com/office/drawing/2014/main" id="{AE8BD722-24A9-5C99-3120-0571F77966FD}"/>
+              </a:ext>
+            </a:extLst>
+          </p:cNvPr>
+          <p:cNvSpPr>
+            <a:spLocks noGrp="1"/>
+          </p:cNvSpPr>
+          <p:nvPr>
+            <p:ph type="title"/>
+          </p:nvPr>
+        </p:nvSpPr>
+        <p:spPr/>
+        <p:txBody>
+          <a:bodyPr/>
+          <a:lstStyle/>
+          <a:p>
+            <a:r>
+              <a:rPr lang="en-US" dirty="0"/>
+              <a:t>In Republican Districts: Contacts</a:t>
+            </a:r>
+          </a:p>
+        </p:txBody>
+      </p:sp>
+      <p:pic>
+        <p:nvPicPr>
+          <p:cNvPr id="9" name="Content Placeholder 8" descr="A graph with red and blue lines&#10;&#10;Description automatically generated">
+            <a:extLst>
+              <a:ext uri="{FF2B5EF4-FFF2-40B4-BE49-F238E27FC236}">
+                <a16:creationId xmlns:a16="http://schemas.microsoft.com/office/drawing/2014/main" id="{84C205FA-B963-60A3-AE01-6198B32EF471}"/>
+              </a:ext>
+            </a:extLst>
+          </p:cNvPr>
+          <p:cNvPicPr>
+            <a:picLocks noGrp="1" noChangeAspect="1"/>
+          </p:cNvPicPr>
+          <p:nvPr>
+            <p:ph idx="1"/>
+          </p:nvPr>
+        </p:nvPicPr>
+        <p:blipFill>
+          <a:blip r:embed="rId2"/>
+          <a:stretch>
+            <a:fillRect/>
+          </a:stretch>
+        </p:blipFill>
+        <p:spPr>
+          <a:xfrm>
+            <a:off x="2617573" y="1428000"/>
+            <a:ext cx="6956854" cy="5217640"/>
+          </a:xfrm>
+        </p:spPr>
+      </p:pic>
+    </p:spTree>
+    <p:extLst>
+      <p:ext uri="{BB962C8B-B14F-4D97-AF65-F5344CB8AC3E}">
+        <p14:creationId xmlns:p14="http://schemas.microsoft.com/office/powerpoint/2010/main" val="285805715"/>
+      </p:ext>
+    </p:extLst>
+  </p:cSld>
+  <p:clrMapOvr>
+    <a:masterClrMapping/>
+  </p:clrMapOvr>
+</p:sld>
+</file>
+
+<file path=ppt/slides/slide27.xml><?xml version="1.0" encoding="utf-8"?>
+<p:sld xmlns:a="http://schemas.openxmlformats.org/drawingml/2006/main" xmlns:r="http://schemas.openxmlformats.org/officeDocument/2006/relationships" xmlns:p="http://schemas.openxmlformats.org/presentationml/2006/main">
+  <p:cSld>
+    <p:spTree>
+      <p:nvGrpSpPr>
+        <p:cNvPr id="1" name=""/>
+        <p:cNvGrpSpPr/>
+        <p:nvPr/>
+      </p:nvGrpSpPr>
+      <p:grpSpPr>
+        <a:xfrm>
+          <a:off x="0" y="0"/>
+          <a:ext cx="0" cy="0"/>
+          <a:chOff x="0" y="0"/>
+          <a:chExt cx="0" cy="0"/>
+        </a:xfrm>
+      </p:grpSpPr>
+      <p:sp>
+        <p:nvSpPr>
+          <p:cNvPr id="2" name="Title 1">
+            <a:extLst>
+              <a:ext uri="{FF2B5EF4-FFF2-40B4-BE49-F238E27FC236}">
+                <a16:creationId xmlns:a16="http://schemas.microsoft.com/office/drawing/2014/main" id="{753D8D3D-9010-491E-3F60-A44965114D3F}"/>
+              </a:ext>
+            </a:extLst>
+          </p:cNvPr>
+          <p:cNvSpPr>
+            <a:spLocks noGrp="1"/>
+          </p:cNvSpPr>
+          <p:nvPr>
+            <p:ph type="title"/>
+          </p:nvPr>
+        </p:nvSpPr>
+        <p:spPr/>
+        <p:txBody>
+          <a:bodyPr/>
+          <a:lstStyle/>
+          <a:p>
+            <a:r>
+              <a:rPr lang="en-US" dirty="0"/>
+              <a:t>In Republican Districts: Masked Contact</a:t>
+            </a:r>
+          </a:p>
+        </p:txBody>
+      </p:sp>
+      <p:pic>
+        <p:nvPicPr>
+          <p:cNvPr id="5" name="Content Placeholder 4" descr="A graph of a graph with a red line&#10;&#10;Description automatically generated">
+            <a:extLst>
+              <a:ext uri="{FF2B5EF4-FFF2-40B4-BE49-F238E27FC236}">
+                <a16:creationId xmlns:a16="http://schemas.microsoft.com/office/drawing/2014/main" id="{3418CB2E-F0B2-1498-4A23-CC71CE98F87E}"/>
+              </a:ext>
+            </a:extLst>
+          </p:cNvPr>
+          <p:cNvPicPr>
+            <a:picLocks noGrp="1" noChangeAspect="1"/>
+          </p:cNvPicPr>
+          <p:nvPr>
+            <p:ph idx="1"/>
+          </p:nvPr>
+        </p:nvPicPr>
+        <p:blipFill>
+          <a:blip r:embed="rId2"/>
+          <a:stretch>
+            <a:fillRect/>
+          </a:stretch>
+        </p:blipFill>
+        <p:spPr>
+          <a:xfrm>
+            <a:off x="2774693" y="1690688"/>
+            <a:ext cx="6642614" cy="4981961"/>
+          </a:xfrm>
+        </p:spPr>
+      </p:pic>
+    </p:spTree>
+    <p:extLst>
+      <p:ext uri="{BB962C8B-B14F-4D97-AF65-F5344CB8AC3E}">
+        <p14:creationId xmlns:p14="http://schemas.microsoft.com/office/powerpoint/2010/main" val="786818688"/>
+      </p:ext>
+    </p:extLst>
+  </p:cSld>
+  <p:clrMapOvr>
+    <a:masterClrMapping/>
+  </p:clrMapOvr>
+</p:sld>
+</file>
+
+<file path=ppt/slides/slide28.xml><?xml version="1.0" encoding="utf-8"?>
+<p:sld xmlns:a="http://schemas.openxmlformats.org/drawingml/2006/main" xmlns:r="http://schemas.openxmlformats.org/officeDocument/2006/relationships" xmlns:p="http://schemas.openxmlformats.org/presentationml/2006/main">
+  <p:cSld>
+    <p:spTree>
+      <p:nvGrpSpPr>
+        <p:cNvPr id="1" name=""/>
+        <p:cNvGrpSpPr/>
+        <p:nvPr/>
+      </p:nvGrpSpPr>
+      <p:grpSpPr>
+        <a:xfrm>
+          <a:off x="0" y="0"/>
+          <a:ext cx="0" cy="0"/>
+          <a:chOff x="0" y="0"/>
+          <a:chExt cx="0" cy="0"/>
+        </a:xfrm>
+      </p:grpSpPr>
+      <p:sp>
+        <p:nvSpPr>
+          <p:cNvPr id="2" name="Title 1">
+            <a:extLst>
+              <a:ext uri="{FF2B5EF4-FFF2-40B4-BE49-F238E27FC236}">
+                <a16:creationId xmlns:a16="http://schemas.microsoft.com/office/drawing/2014/main" id="{753D8D3D-9010-491E-3F60-A44965114D3F}"/>
+              </a:ext>
+            </a:extLst>
+          </p:cNvPr>
+          <p:cNvSpPr>
+            <a:spLocks noGrp="1"/>
+          </p:cNvSpPr>
+          <p:nvPr>
+            <p:ph type="title"/>
+          </p:nvPr>
+        </p:nvSpPr>
+        <p:spPr/>
+        <p:txBody>
+          <a:bodyPr/>
+          <a:lstStyle/>
+          <a:p>
+            <a:r>
+              <a:rPr lang="en-US" dirty="0"/>
+              <a:t>In Republican Districts: Vaccines</a:t>
+            </a:r>
+          </a:p>
+        </p:txBody>
+      </p:sp>
+      <p:pic>
+        <p:nvPicPr>
+          <p:cNvPr id="9" name="Content Placeholder 8" descr="A graph of a red line&#10;&#10;Description automatically generated with medium confidence">
+            <a:extLst>
+              <a:ext uri="{FF2B5EF4-FFF2-40B4-BE49-F238E27FC236}">
+                <a16:creationId xmlns:a16="http://schemas.microsoft.com/office/drawing/2014/main" id="{3F4E17F6-5557-E325-4860-D75287F1961B}"/>
+              </a:ext>
+            </a:extLst>
+          </p:cNvPr>
+          <p:cNvPicPr>
+            <a:picLocks noGrp="1" noChangeAspect="1"/>
+          </p:cNvPicPr>
+          <p:nvPr>
+            <p:ph idx="1"/>
+          </p:nvPr>
+        </p:nvPicPr>
+        <p:blipFill>
+          <a:blip r:embed="rId2"/>
+          <a:stretch>
+            <a:fillRect/>
+          </a:stretch>
+        </p:blipFill>
+        <p:spPr>
+          <a:xfrm>
+            <a:off x="2617573" y="1486694"/>
+            <a:ext cx="6956854" cy="5217641"/>
+          </a:xfrm>
+        </p:spPr>
+      </p:pic>
+    </p:spTree>
+    <p:extLst>
+      <p:ext uri="{BB962C8B-B14F-4D97-AF65-F5344CB8AC3E}">
+        <p14:creationId xmlns:p14="http://schemas.microsoft.com/office/powerpoint/2010/main" val="1452551749"/>
       </p:ext>
     </p:extLst>
   </p:cSld>
@@ -4989,7 +5851,7 @@
           <p:cNvPr id="2" name="Title 1">
             <a:extLst>
               <a:ext uri="{FF2B5EF4-FFF2-40B4-BE49-F238E27FC236}">
-                <a16:creationId xmlns:a16="http://schemas.microsoft.com/office/drawing/2014/main" id="{4DDBDCF6-33BE-EC7C-94DB-5967F38EBC97}"/>
+                <a16:creationId xmlns:a16="http://schemas.microsoft.com/office/drawing/2014/main" id="{D19E19B3-FF90-969C-39F7-4487B327F266}"/>
               </a:ext>
             </a:extLst>
           </p:cNvPr>
@@ -5007,52 +5869,40 @@
           <a:p>
             <a:r>
               <a:rPr lang="en-US" dirty="0"/>
-              <a:t>Who </a:t>
-            </a:r>
-            <a:r>
-              <a:rPr lang="en-US" i="1" dirty="0"/>
-              <a:t>actually</a:t>
-            </a:r>
-            <a:r>
-              <a:rPr lang="en-US" dirty="0"/>
-              <a:t> has lower rates of reported contact?</a:t>
-            </a:r>
-          </a:p>
-        </p:txBody>
-      </p:sp>
-      <p:pic>
-        <p:nvPicPr>
-          <p:cNvPr id="9" name="Content Placeholder 8" descr="A graph of different colored squares&#10;&#10;Description automatically generated">
-            <a:extLst>
-              <a:ext uri="{FF2B5EF4-FFF2-40B4-BE49-F238E27FC236}">
-                <a16:creationId xmlns:a16="http://schemas.microsoft.com/office/drawing/2014/main" id="{EF0CC6A1-6611-A126-5C69-3291AD65F1D2}"/>
-              </a:ext>
-            </a:extLst>
-          </p:cNvPr>
-          <p:cNvPicPr>
-            <a:picLocks noGrp="1" noChangeAspect="1"/>
-          </p:cNvPicPr>
+              <a:t>Contact Reduction</a:t>
+            </a:r>
+          </a:p>
+        </p:txBody>
+      </p:sp>
+      <p:sp>
+        <p:nvSpPr>
+          <p:cNvPr id="3" name="Content Placeholder 2">
+            <a:extLst>
+              <a:ext uri="{FF2B5EF4-FFF2-40B4-BE49-F238E27FC236}">
+                <a16:creationId xmlns:a16="http://schemas.microsoft.com/office/drawing/2014/main" id="{9695B622-1DDE-AEE7-021D-B998A0C499B0}"/>
+              </a:ext>
+            </a:extLst>
+          </p:cNvPr>
+          <p:cNvSpPr>
+            <a:spLocks noGrp="1"/>
+          </p:cNvSpPr>
           <p:nvPr>
             <p:ph idx="1"/>
           </p:nvPr>
-        </p:nvPicPr>
-        <p:blipFill>
-          <a:blip r:embed="rId3"/>
-          <a:stretch>
-            <a:fillRect/>
-          </a:stretch>
-        </p:blipFill>
-        <p:spPr>
-          <a:xfrm>
-            <a:off x="2235164" y="1908641"/>
-            <a:ext cx="7721672" cy="4429098"/>
-          </a:xfrm>
-        </p:spPr>
-      </p:pic>
+        </p:nvSpPr>
+        <p:spPr/>
+        <p:txBody>
+          <a:bodyPr/>
+          <a:lstStyle/>
+          <a:p>
+            <a:endParaRPr lang="en-US"/>
+          </a:p>
+        </p:txBody>
+      </p:sp>
     </p:spTree>
     <p:extLst>
       <p:ext uri="{BB962C8B-B14F-4D97-AF65-F5344CB8AC3E}">
-        <p14:creationId xmlns:p14="http://schemas.microsoft.com/office/powerpoint/2010/main" val="138314469"/>
+        <p14:creationId xmlns:p14="http://schemas.microsoft.com/office/powerpoint/2010/main" val="2114654336"/>
       </p:ext>
     </p:extLst>
   </p:cSld>
@@ -5084,7 +5934,7 @@
           <p:cNvPr id="2" name="Title 1">
             <a:extLst>
               <a:ext uri="{FF2B5EF4-FFF2-40B4-BE49-F238E27FC236}">
-                <a16:creationId xmlns:a16="http://schemas.microsoft.com/office/drawing/2014/main" id="{2E542895-4851-A102-3EB8-8719167056ED}"/>
+                <a16:creationId xmlns:a16="http://schemas.microsoft.com/office/drawing/2014/main" id="{AE36DA79-9721-1001-045F-9C57D91325DB}"/>
               </a:ext>
             </a:extLst>
           </p:cNvPr>
@@ -5102,43 +5952,40 @@
           <a:p>
             <a:r>
               <a:rPr lang="en-US" dirty="0"/>
-              <a:t>Who is more concerned about the pandemic?</a:t>
-            </a:r>
-          </a:p>
-        </p:txBody>
-      </p:sp>
-      <p:pic>
-        <p:nvPicPr>
-          <p:cNvPr id="4" name="Content Placeholder 4">
-            <a:extLst>
-              <a:ext uri="{FF2B5EF4-FFF2-40B4-BE49-F238E27FC236}">
-                <a16:creationId xmlns:a16="http://schemas.microsoft.com/office/drawing/2014/main" id="{7ACFAE27-94C5-16F8-028C-20B46F0A82CD}"/>
-              </a:ext>
-            </a:extLst>
-          </p:cNvPr>
-          <p:cNvPicPr>
-            <a:picLocks noGrp="1" noChangeAspect="1"/>
-          </p:cNvPicPr>
+              <a:t>Reported Contact</a:t>
+            </a:r>
+          </a:p>
+        </p:txBody>
+      </p:sp>
+      <p:sp>
+        <p:nvSpPr>
+          <p:cNvPr id="3" name="Content Placeholder 2">
+            <a:extLst>
+              <a:ext uri="{FF2B5EF4-FFF2-40B4-BE49-F238E27FC236}">
+                <a16:creationId xmlns:a16="http://schemas.microsoft.com/office/drawing/2014/main" id="{8580CFEE-E019-9CE9-BBA3-F890780AE843}"/>
+              </a:ext>
+            </a:extLst>
+          </p:cNvPr>
+          <p:cNvSpPr>
+            <a:spLocks noGrp="1"/>
+          </p:cNvSpPr>
           <p:nvPr>
             <p:ph idx="1"/>
           </p:nvPr>
-        </p:nvPicPr>
-        <p:blipFill>
-          <a:blip r:embed="rId3"/>
-          <a:srcRect/>
-          <a:stretch/>
-        </p:blipFill>
-        <p:spPr>
-          <a:xfrm>
-            <a:off x="2390780" y="1763001"/>
-            <a:ext cx="7410440" cy="4459096"/>
-          </a:xfrm>
-        </p:spPr>
-      </p:pic>
+        </p:nvSpPr>
+        <p:spPr/>
+        <p:txBody>
+          <a:bodyPr/>
+          <a:lstStyle/>
+          <a:p>
+            <a:endParaRPr lang="en-US"/>
+          </a:p>
+        </p:txBody>
+      </p:sp>
     </p:spTree>
     <p:extLst>
       <p:ext uri="{BB962C8B-B14F-4D97-AF65-F5344CB8AC3E}">
-        <p14:creationId xmlns:p14="http://schemas.microsoft.com/office/powerpoint/2010/main" val="4147193950"/>
+        <p14:creationId xmlns:p14="http://schemas.microsoft.com/office/powerpoint/2010/main" val="4029217606"/>
       </p:ext>
     </p:extLst>
   </p:cSld>
@@ -5170,7 +6017,7 @@
           <p:cNvPr id="2" name="Title 1">
             <a:extLst>
               <a:ext uri="{FF2B5EF4-FFF2-40B4-BE49-F238E27FC236}">
-                <a16:creationId xmlns:a16="http://schemas.microsoft.com/office/drawing/2014/main" id="{32F02DE8-3E68-0367-E675-BC9BC0793D9E}"/>
+                <a16:creationId xmlns:a16="http://schemas.microsoft.com/office/drawing/2014/main" id="{9E2137B3-26EA-98D7-149E-059E3CF40C07}"/>
               </a:ext>
             </a:extLst>
           </p:cNvPr>
@@ -5188,44 +6035,40 @@
           <a:p>
             <a:r>
               <a:rPr lang="en-US" dirty="0"/>
-              <a:t>Does increased concern from Democrats translate to increased mask wearing? </a:t>
-            </a:r>
-          </a:p>
-        </p:txBody>
-      </p:sp>
-      <p:pic>
-        <p:nvPicPr>
-          <p:cNvPr id="5" name="Content Placeholder 4" descr="A chart with red and purple squares&#10;&#10;Description automatically generated">
-            <a:extLst>
-              <a:ext uri="{FF2B5EF4-FFF2-40B4-BE49-F238E27FC236}">
-                <a16:creationId xmlns:a16="http://schemas.microsoft.com/office/drawing/2014/main" id="{0CD5A2DB-A5E6-CE38-0932-B6708FC1CA77}"/>
-              </a:ext>
-            </a:extLst>
-          </p:cNvPr>
-          <p:cNvPicPr>
-            <a:picLocks noGrp="1" noChangeAspect="1"/>
-          </p:cNvPicPr>
+              <a:t>Masked Contacts</a:t>
+            </a:r>
+          </a:p>
+        </p:txBody>
+      </p:sp>
+      <p:sp>
+        <p:nvSpPr>
+          <p:cNvPr id="3" name="Content Placeholder 2">
+            <a:extLst>
+              <a:ext uri="{FF2B5EF4-FFF2-40B4-BE49-F238E27FC236}">
+                <a16:creationId xmlns:a16="http://schemas.microsoft.com/office/drawing/2014/main" id="{E47607A1-C42A-0F3F-8C1F-B29875873A35}"/>
+              </a:ext>
+            </a:extLst>
+          </p:cNvPr>
+          <p:cNvSpPr>
+            <a:spLocks noGrp="1"/>
+          </p:cNvSpPr>
           <p:nvPr>
             <p:ph idx="1"/>
           </p:nvPr>
-        </p:nvPicPr>
-        <p:blipFill>
-          <a:blip r:embed="rId3"/>
-          <a:stretch>
-            <a:fillRect/>
-          </a:stretch>
-        </p:blipFill>
-        <p:spPr>
-          <a:xfrm>
-            <a:off x="2300816" y="1930335"/>
-            <a:ext cx="7590367" cy="4364831"/>
-          </a:xfrm>
-        </p:spPr>
-      </p:pic>
+        </p:nvSpPr>
+        <p:spPr/>
+        <p:txBody>
+          <a:bodyPr/>
+          <a:lstStyle/>
+          <a:p>
+            <a:endParaRPr lang="en-US"/>
+          </a:p>
+        </p:txBody>
+      </p:sp>
     </p:spTree>
     <p:extLst>
       <p:ext uri="{BB962C8B-B14F-4D97-AF65-F5344CB8AC3E}">
-        <p14:creationId xmlns:p14="http://schemas.microsoft.com/office/powerpoint/2010/main" val="2241204409"/>
+        <p14:creationId xmlns:p14="http://schemas.microsoft.com/office/powerpoint/2010/main" val="2657197941"/>
       </p:ext>
     </p:extLst>
   </p:cSld>
@@ -5257,35 +6100,58 @@
           <p:cNvPr id="2" name="Title 1">
             <a:extLst>
               <a:ext uri="{FF2B5EF4-FFF2-40B4-BE49-F238E27FC236}">
-                <a16:creationId xmlns:a16="http://schemas.microsoft.com/office/drawing/2014/main" id="{4D4945D3-1977-C3E8-5444-6E3FAFE2281C}"/>
-              </a:ext>
-            </a:extLst>
-          </p:cNvPr>
-          <p:cNvSpPr>
-            <a:spLocks noGrp="1"/>
-          </p:cNvSpPr>
-          <p:nvPr>
-            <p:ph type="ctrTitle"/>
-          </p:nvPr>
-        </p:nvSpPr>
-        <p:spPr/>
-        <p:txBody>
-          <a:bodyPr>
-            <a:normAutofit fontScale="90000"/>
-          </a:bodyPr>
+                <a16:creationId xmlns:a16="http://schemas.microsoft.com/office/drawing/2014/main" id="{959C0804-764E-AC21-B030-AEC8DFADE7BA}"/>
+              </a:ext>
+            </a:extLst>
+          </p:cNvPr>
+          <p:cNvSpPr>
+            <a:spLocks noGrp="1"/>
+          </p:cNvSpPr>
+          <p:nvPr>
+            <p:ph type="title"/>
+          </p:nvPr>
+        </p:nvSpPr>
+        <p:spPr/>
+        <p:txBody>
+          <a:bodyPr/>
           <a:lstStyle/>
           <a:p>
             <a:r>
               <a:rPr lang="en-US" dirty="0"/>
-              <a:t>Being in an Opposing Party CD (regardless of your own affiliation) </a:t>
-            </a:r>
+              <a:t>Vaccination</a:t>
+            </a:r>
+          </a:p>
+        </p:txBody>
+      </p:sp>
+      <p:sp>
+        <p:nvSpPr>
+          <p:cNvPr id="3" name="Content Placeholder 2">
+            <a:extLst>
+              <a:ext uri="{FF2B5EF4-FFF2-40B4-BE49-F238E27FC236}">
+                <a16:creationId xmlns:a16="http://schemas.microsoft.com/office/drawing/2014/main" id="{0CB04BA1-13BB-B254-339E-5685217777D8}"/>
+              </a:ext>
+            </a:extLst>
+          </p:cNvPr>
+          <p:cNvSpPr>
+            <a:spLocks noGrp="1"/>
+          </p:cNvSpPr>
+          <p:nvPr>
+            <p:ph idx="1"/>
+          </p:nvPr>
+        </p:nvSpPr>
+        <p:spPr/>
+        <p:txBody>
+          <a:bodyPr/>
+          <a:lstStyle/>
+          <a:p>
+            <a:endParaRPr lang="en-US"/>
           </a:p>
         </p:txBody>
       </p:sp>
     </p:spTree>
     <p:extLst>
       <p:ext uri="{BB962C8B-B14F-4D97-AF65-F5344CB8AC3E}">
-        <p14:creationId xmlns:p14="http://schemas.microsoft.com/office/powerpoint/2010/main" val="1082237994"/>
+        <p14:creationId xmlns:p14="http://schemas.microsoft.com/office/powerpoint/2010/main" val="1167375570"/>
       </p:ext>
     </p:extLst>
   </p:cSld>
@@ -5317,62 +6183,35 @@
           <p:cNvPr id="2" name="Title 1">
             <a:extLst>
               <a:ext uri="{FF2B5EF4-FFF2-40B4-BE49-F238E27FC236}">
-                <a16:creationId xmlns:a16="http://schemas.microsoft.com/office/drawing/2014/main" id="{163F918F-0E6C-2643-DE64-E1F7E1B7CD0C}"/>
-              </a:ext>
-            </a:extLst>
-          </p:cNvPr>
-          <p:cNvSpPr>
-            <a:spLocks noGrp="1"/>
-          </p:cNvSpPr>
-          <p:nvPr>
-            <p:ph type="title"/>
-          </p:nvPr>
-        </p:nvSpPr>
-        <p:spPr/>
-        <p:txBody>
-          <a:bodyPr/>
+                <a16:creationId xmlns:a16="http://schemas.microsoft.com/office/drawing/2014/main" id="{4D4945D3-1977-C3E8-5444-6E3FAFE2281C}"/>
+              </a:ext>
+            </a:extLst>
+          </p:cNvPr>
+          <p:cNvSpPr>
+            <a:spLocks noGrp="1"/>
+          </p:cNvSpPr>
+          <p:nvPr>
+            <p:ph type="ctrTitle"/>
+          </p:nvPr>
+        </p:nvSpPr>
+        <p:spPr/>
+        <p:txBody>
+          <a:bodyPr>
+            <a:normAutofit/>
+          </a:bodyPr>
           <a:lstStyle/>
           <a:p>
             <a:r>
               <a:rPr lang="en-US" dirty="0"/>
-              <a:t>Are people in an opposing CD less likely to reduce their contact?</a:t>
-            </a:r>
-          </a:p>
-        </p:txBody>
-      </p:sp>
-      <p:pic>
-        <p:nvPicPr>
-          <p:cNvPr id="8" name="Content Placeholder 7" descr="A comparison of a graph&#10;&#10;Description automatically generated with medium confidence">
-            <a:extLst>
-              <a:ext uri="{FF2B5EF4-FFF2-40B4-BE49-F238E27FC236}">
-                <a16:creationId xmlns:a16="http://schemas.microsoft.com/office/drawing/2014/main" id="{F2FAEC8E-2C83-5399-84DB-D617D941E379}"/>
-              </a:ext>
-            </a:extLst>
-          </p:cNvPr>
-          <p:cNvPicPr>
-            <a:picLocks noGrp="1" noChangeAspect="1"/>
-          </p:cNvPicPr>
-          <p:nvPr>
-            <p:ph idx="1"/>
-          </p:nvPr>
-        </p:nvPicPr>
-        <p:blipFill>
-          <a:blip r:embed="rId3"/>
-          <a:stretch>
-            <a:fillRect/>
-          </a:stretch>
-        </p:blipFill>
-        <p:spPr>
-          <a:xfrm>
-            <a:off x="1949044" y="1690688"/>
-            <a:ext cx="8293911" cy="4805717"/>
-          </a:xfrm>
-        </p:spPr>
-      </p:pic>
+              <a:t>Republicans versus Democrats Over Time</a:t>
+            </a:r>
+          </a:p>
+        </p:txBody>
+      </p:sp>
     </p:spTree>
     <p:extLst>
       <p:ext uri="{BB962C8B-B14F-4D97-AF65-F5344CB8AC3E}">
-        <p14:creationId xmlns:p14="http://schemas.microsoft.com/office/powerpoint/2010/main" val="3272089972"/>
+        <p14:creationId xmlns:p14="http://schemas.microsoft.com/office/powerpoint/2010/main" val="3068409124"/>
       </p:ext>
     </p:extLst>
   </p:cSld>
@@ -5404,7 +6243,7 @@
           <p:cNvPr id="2" name="Title 1">
             <a:extLst>
               <a:ext uri="{FF2B5EF4-FFF2-40B4-BE49-F238E27FC236}">
-                <a16:creationId xmlns:a16="http://schemas.microsoft.com/office/drawing/2014/main" id="{4D0420E3-D4E1-F0BF-6F47-EEBCA7D41CE1}"/>
+                <a16:creationId xmlns:a16="http://schemas.microsoft.com/office/drawing/2014/main" id="{0E05E34A-B313-CD64-9A77-C36D5E481B0E}"/>
               </a:ext>
             </a:extLst>
           </p:cNvPr>
@@ -5422,74 +6261,44 @@
           <a:p>
             <a:r>
               <a:rPr lang="en-US" dirty="0"/>
-              <a:t>Are people in an opposing CD less likely to wear masks during their interactions?</a:t>
-            </a:r>
-          </a:p>
-        </p:txBody>
-      </p:sp>
-      <p:sp>
-        <p:nvSpPr>
-          <p:cNvPr id="3" name="Content Placeholder 2">
-            <a:extLst>
-              <a:ext uri="{FF2B5EF4-FFF2-40B4-BE49-F238E27FC236}">
-                <a16:creationId xmlns:a16="http://schemas.microsoft.com/office/drawing/2014/main" id="{4D02D266-3D7C-F12A-74D1-2D5DB545E095}"/>
-              </a:ext>
-            </a:extLst>
-          </p:cNvPr>
-          <p:cNvSpPr>
-            <a:spLocks noGrp="1"/>
-          </p:cNvSpPr>
+              <a:t>Concern</a:t>
+            </a:r>
+          </a:p>
+        </p:txBody>
+      </p:sp>
+      <p:pic>
+        <p:nvPicPr>
+          <p:cNvPr id="5" name="Content Placeholder 4" descr="A graph on a black background&#10;&#10;Description automatically generated">
+            <a:extLst>
+              <a:ext uri="{FF2B5EF4-FFF2-40B4-BE49-F238E27FC236}">
+                <a16:creationId xmlns:a16="http://schemas.microsoft.com/office/drawing/2014/main" id="{BB3E9510-82F3-3F33-E094-7D05C833CD64}"/>
+              </a:ext>
+            </a:extLst>
+          </p:cNvPr>
+          <p:cNvPicPr>
+            <a:picLocks noGrp="1" noChangeAspect="1"/>
+          </p:cNvPicPr>
           <p:nvPr>
             <p:ph idx="1"/>
           </p:nvPr>
-        </p:nvSpPr>
-        <p:spPr/>
-        <p:txBody>
-          <a:bodyPr/>
-          <a:lstStyle/>
-          <a:p>
-            <a:r>
-              <a:rPr lang="en-US" dirty="0"/>
-              <a:t>Being in an opposite party CD means a very small increase in non-household contacts (.2 </a:t>
-            </a:r>
-            <a:r>
-              <a:rPr lang="en-US" dirty="0" err="1"/>
-              <a:t>coef</a:t>
-            </a:r>
-            <a:r>
-              <a:rPr lang="en-US" dirty="0"/>
-              <a:t>)</a:t>
-            </a:r>
-          </a:p>
-          <a:p>
-            <a:r>
-              <a:rPr lang="en-US" dirty="0"/>
-              <a:t>Being in an opposite party CD means you’re slightly less likely to wear a mask, but only if I don’t control for “Independent”</a:t>
-            </a:r>
-          </a:p>
-          <a:p>
-            <a:r>
-              <a:rPr lang="en-US" dirty="0"/>
-              <a:t>In a safety Index, being in an opposite party CD means you’re only very slightly less safe in your non-</a:t>
-            </a:r>
-            <a:r>
-              <a:rPr lang="en-US" dirty="0" err="1"/>
-              <a:t>hh</a:t>
-            </a:r>
-            <a:r>
-              <a:rPr lang="en-US" dirty="0"/>
-              <a:t> interactions overall</a:t>
-            </a:r>
-          </a:p>
-          <a:p>
-            <a:endParaRPr lang="en-US" dirty="0"/>
-          </a:p>
-        </p:txBody>
-      </p:sp>
+        </p:nvPicPr>
+        <p:blipFill>
+          <a:blip r:embed="rId2"/>
+          <a:stretch>
+            <a:fillRect/>
+          </a:stretch>
+        </p:blipFill>
+        <p:spPr>
+          <a:xfrm>
+            <a:off x="2832496" y="1825625"/>
+            <a:ext cx="6527007" cy="4351338"/>
+          </a:xfrm>
+        </p:spPr>
+      </p:pic>
     </p:spTree>
     <p:extLst>
       <p:ext uri="{BB962C8B-B14F-4D97-AF65-F5344CB8AC3E}">
-        <p14:creationId xmlns:p14="http://schemas.microsoft.com/office/powerpoint/2010/main" val="291798328"/>
+        <p14:creationId xmlns:p14="http://schemas.microsoft.com/office/powerpoint/2010/main" val="3961220801"/>
       </p:ext>
     </p:extLst>
   </p:cSld>
@@ -5521,35 +6330,58 @@
           <p:cNvPr id="2" name="Title 1">
             <a:extLst>
               <a:ext uri="{FF2B5EF4-FFF2-40B4-BE49-F238E27FC236}">
-                <a16:creationId xmlns:a16="http://schemas.microsoft.com/office/drawing/2014/main" id="{4D4945D3-1977-C3E8-5444-6E3FAFE2281C}"/>
-              </a:ext>
-            </a:extLst>
-          </p:cNvPr>
-          <p:cNvSpPr>
-            <a:spLocks noGrp="1"/>
-          </p:cNvSpPr>
-          <p:nvPr>
-            <p:ph type="ctrTitle"/>
-          </p:nvPr>
-        </p:nvSpPr>
-        <p:spPr/>
-        <p:txBody>
-          <a:bodyPr>
-            <a:normAutofit fontScale="90000"/>
-          </a:bodyPr>
+                <a16:creationId xmlns:a16="http://schemas.microsoft.com/office/drawing/2014/main" id="{9CF88D44-D0BF-6CE6-9185-409802070054}"/>
+              </a:ext>
+            </a:extLst>
+          </p:cNvPr>
+          <p:cNvSpPr>
+            <a:spLocks noGrp="1"/>
+          </p:cNvSpPr>
+          <p:nvPr>
+            <p:ph type="title"/>
+          </p:nvPr>
+        </p:nvSpPr>
+        <p:spPr/>
+        <p:txBody>
+          <a:bodyPr/>
           <a:lstStyle/>
           <a:p>
             <a:r>
               <a:rPr lang="en-US" dirty="0"/>
-              <a:t>Being in Democrat in a Republican District (and visa versa)</a:t>
-            </a:r>
+              <a:t>Contact Reduction</a:t>
+            </a:r>
+          </a:p>
+        </p:txBody>
+      </p:sp>
+      <p:sp>
+        <p:nvSpPr>
+          <p:cNvPr id="3" name="Content Placeholder 2">
+            <a:extLst>
+              <a:ext uri="{FF2B5EF4-FFF2-40B4-BE49-F238E27FC236}">
+                <a16:creationId xmlns:a16="http://schemas.microsoft.com/office/drawing/2014/main" id="{4AD80B03-61CD-79AB-D77C-9CC65C28737E}"/>
+              </a:ext>
+            </a:extLst>
+          </p:cNvPr>
+          <p:cNvSpPr>
+            <a:spLocks noGrp="1"/>
+          </p:cNvSpPr>
+          <p:nvPr>
+            <p:ph idx="1"/>
+          </p:nvPr>
+        </p:nvSpPr>
+        <p:spPr/>
+        <p:txBody>
+          <a:bodyPr/>
+          <a:lstStyle/>
+          <a:p>
+            <a:endParaRPr lang="en-US"/>
           </a:p>
         </p:txBody>
       </p:sp>
     </p:spTree>
     <p:extLst>
       <p:ext uri="{BB962C8B-B14F-4D97-AF65-F5344CB8AC3E}">
-        <p14:creationId xmlns:p14="http://schemas.microsoft.com/office/powerpoint/2010/main" val="4070558788"/>
+        <p14:creationId xmlns:p14="http://schemas.microsoft.com/office/powerpoint/2010/main" val="1300425862"/>
       </p:ext>
     </p:extLst>
   </p:cSld>
